--- a/Poster/Project Seminar Poster 25 v1.pptx
+++ b/Poster/Project Seminar Poster 25 v1.pptx
@@ -411,7 +411,7 @@
               <a:pPr>
                 <a:defRPr/>
               </a:pPr>
-              <a:t>‹Nr.›</a:t>
+              <a:t>‹#›</a:t>
             </a:fld>
             <a:endParaRPr lang="de-DE" altLang="de-DE"/>
           </a:p>
@@ -719,7 +719,7 @@
               <a:pPr>
                 <a:defRPr/>
               </a:pPr>
-              <a:t>‹Nr.›</a:t>
+              <a:t>‹#›</a:t>
             </a:fld>
             <a:endParaRPr lang="de-DE" altLang="de-DE"/>
           </a:p>
@@ -1776,7 +1776,7 @@
               <a:pPr>
                 <a:defRPr/>
               </a:pPr>
-              <a:t>‹Nr.›</a:t>
+              <a:t>‹#›</a:t>
             </a:fld>
             <a:endParaRPr lang="de-DE" altLang="de-DE" dirty="0"/>
           </a:p>
@@ -2343,7 +2343,7 @@
               <a:pPr>
                 <a:defRPr/>
               </a:pPr>
-              <a:t>‹Nr.›</a:t>
+              <a:t>‹#›</a:t>
             </a:fld>
             <a:endParaRPr lang="de-DE" altLang="de-DE" dirty="0"/>
           </a:p>
@@ -2387,7 +2387,7 @@
               <a:pPr>
                 <a:defRPr/>
               </a:pPr>
-              <a:t>22.06.2025</a:t>
+              <a:t>23.06.2025</a:t>
             </a:fld>
             <a:endParaRPr lang="de-DE" dirty="0"/>
           </a:p>
@@ -2961,7 +2961,7 @@
               <a:pPr>
                 <a:defRPr/>
               </a:pPr>
-              <a:t>‹Nr.›</a:t>
+              <a:t>‹#›</a:t>
             </a:fld>
             <a:endParaRPr lang="de-DE" altLang="de-DE" dirty="0"/>
           </a:p>
@@ -3005,7 +3005,7 @@
               <a:pPr>
                 <a:defRPr/>
               </a:pPr>
-              <a:t>22.06.2025</a:t>
+              <a:t>23.06.2025</a:t>
             </a:fld>
             <a:endParaRPr lang="de-DE" dirty="0"/>
           </a:p>
@@ -3579,7 +3579,7 @@
               <a:pPr>
                 <a:defRPr/>
               </a:pPr>
-              <a:t>‹Nr.›</a:t>
+              <a:t>‹#›</a:t>
             </a:fld>
             <a:endParaRPr lang="de-DE" altLang="de-DE" dirty="0"/>
           </a:p>
@@ -3623,7 +3623,7 @@
               <a:pPr>
                 <a:defRPr/>
               </a:pPr>
-              <a:t>22.06.2025</a:t>
+              <a:t>23.06.2025</a:t>
             </a:fld>
             <a:endParaRPr lang="de-DE" dirty="0"/>
           </a:p>
@@ -3894,7 +3894,7 @@
               <a:pPr>
                 <a:defRPr/>
               </a:pPr>
-              <a:t>‹Nr.›</a:t>
+              <a:t>‹#›</a:t>
             </a:fld>
             <a:endParaRPr lang="de-DE" altLang="de-DE" dirty="0"/>
           </a:p>
@@ -4350,8 +4350,8 @@
         </p:nvSpPr>
         <p:spPr>
           <a:xfrm>
-            <a:off x="0" y="3687912"/>
-            <a:ext cx="30275213" cy="8275487"/>
+            <a:off x="0" y="3687911"/>
+            <a:ext cx="30275213" cy="6925901"/>
           </a:xfrm>
           <a:prstGeom prst="rect">
             <a:avLst/>
@@ -4668,7 +4668,7 @@
         </p:nvSpPr>
         <p:spPr>
           <a:xfrm>
-            <a:off x="1869380" y="4263977"/>
+            <a:off x="1933377" y="4668272"/>
             <a:ext cx="26373682" cy="5523351"/>
           </a:xfrm>
           <a:prstGeom prst="rect">
@@ -4829,21 +4829,6 @@
               </a:defRPr>
             </a:lvl9pPr>
           </a:lstStyle>
-          <a:p>
-            <a:pPr>
-              <a:spcBef>
-                <a:spcPts val="600"/>
-              </a:spcBef>
-            </a:pPr>
-            <a:r>
-              <a:rPr lang="en-US" sz="18000" dirty="0">
-                <a:solidFill>
-                  <a:schemeClr val="bg1"/>
-                </a:solidFill>
-              </a:rPr>
-              <a:t>DSAI Project Seminar</a:t>
-            </a:r>
-          </a:p>
           <a:p>
             <a:pPr>
               <a:spcBef>
@@ -4871,8 +4856,8 @@
         </p:nvSpPr>
         <p:spPr>
           <a:xfrm>
-            <a:off x="2133600" y="12508567"/>
-            <a:ext cx="25984200" cy="4716850"/>
+            <a:off x="2007224" y="11209764"/>
+            <a:ext cx="16874798" cy="3249900"/>
           </a:xfrm>
           <a:prstGeom prst="rect">
             <a:avLst/>
@@ -5039,7 +5024,7 @@
               </a:lnSpc>
             </a:pPr>
             <a:r>
-              <a:rPr lang="de-DE" sz="4800" b="1" dirty="0" err="1">
+              <a:rPr lang="de-DE" sz="3200" b="1" dirty="0" err="1">
                 <a:solidFill>
                   <a:srgbClr val="19406B"/>
                 </a:solidFill>
@@ -5047,7 +5032,7 @@
               <a:t>Introduction</a:t>
             </a:r>
             <a:r>
-              <a:rPr lang="de-DE" sz="4800" b="1" dirty="0">
+              <a:rPr lang="de-DE" sz="3200" b="1" dirty="0">
                 <a:solidFill>
                   <a:schemeClr val="tx1"/>
                 </a:solidFill>
@@ -5062,7 +5047,7 @@
               </a:lnSpc>
             </a:pPr>
             <a:r>
-              <a:rPr lang="en-US" sz="3200" dirty="0">
+              <a:rPr lang="en-US" sz="2400" dirty="0">
                 <a:solidFill>
                   <a:schemeClr val="tx1"/>
                 </a:solidFill>
@@ -5070,7 +5055,7 @@
               <a:t>In the experimental setup the spectrum of an incoming laser beam is changed in an </a:t>
             </a:r>
             <a:r>
-              <a:rPr lang="en-US" sz="3200" dirty="0" err="1">
+              <a:rPr lang="en-US" sz="2400" dirty="0" err="1">
                 <a:solidFill>
                   <a:schemeClr val="tx1"/>
                 </a:solidFill>
@@ -5078,7 +5063,7 @@
               <a:t>acousto</a:t>
             </a:r>
             <a:r>
-              <a:rPr lang="en-US" sz="3200" dirty="0">
+              <a:rPr lang="en-US" sz="2400" dirty="0">
                 <a:solidFill>
                   <a:schemeClr val="tx1"/>
                 </a:solidFill>
@@ -5093,7 +5078,7 @@
               </a:lnSpc>
             </a:pPr>
             <a:r>
-              <a:rPr lang="en-US" sz="3200" dirty="0">
+              <a:rPr lang="en-US" sz="2400" dirty="0">
                 <a:solidFill>
                   <a:schemeClr val="tx1"/>
                 </a:solidFill>
@@ -5115,883 +5100,6 @@
               </a:rPr>
               <a:t>		</a:t>
             </a:r>
-          </a:p>
-        </p:txBody>
-      </p:sp>
-      <p:sp>
-        <p:nvSpPr>
-          <p:cNvPr id="22" name="Textplatzhalter 26"/>
-          <p:cNvSpPr txBox="1">
-            <a:spLocks/>
-          </p:cNvSpPr>
-          <p:nvPr/>
-        </p:nvSpPr>
-        <p:spPr>
-          <a:xfrm>
-            <a:off x="2010272" y="24972527"/>
-            <a:ext cx="12424818" cy="720080"/>
-          </a:xfrm>
-          <a:prstGeom prst="rect">
-            <a:avLst/>
-          </a:prstGeom>
-        </p:spPr>
-        <p:txBody>
-          <a:bodyPr vert="horz"/>
-          <a:lstStyle>
-            <a:lvl1pPr marL="0" indent="0" algn="ctr" defTabSz="2853550" rtl="0" eaLnBrk="0" fontAlgn="base" hangingPunct="0">
-              <a:spcBef>
-                <a:spcPct val="20000"/>
-              </a:spcBef>
-              <a:spcAft>
-                <a:spcPct val="0"/>
-              </a:spcAft>
-              <a:buFont typeface="Lucida Grande"/>
-              <a:buNone/>
-              <a:defRPr sz="16228" kern="1200">
-                <a:solidFill>
-                  <a:schemeClr val="accent3"/>
-                </a:solidFill>
-                <a:latin typeface="Segoe UI" panose="020B0502040204020203" pitchFamily="34" charset="0"/>
-                <a:ea typeface="+mn-ea"/>
-                <a:cs typeface="Segoe UI" panose="020B0502040204020203" pitchFamily="34" charset="0"/>
-              </a:defRPr>
-            </a:lvl1pPr>
-            <a:lvl2pPr marL="4637019" indent="-1783469" algn="l" defTabSz="2853550" rtl="0" eaLnBrk="0" fontAlgn="base" hangingPunct="0">
-              <a:spcBef>
-                <a:spcPct val="20000"/>
-              </a:spcBef>
-              <a:spcAft>
-                <a:spcPct val="0"/>
-              </a:spcAft>
-              <a:buFont typeface="Arial" panose="020B0604020202020204" pitchFamily="34" charset="0"/>
-              <a:buChar char="–"/>
-              <a:defRPr sz="5617" kern="1200">
-                <a:solidFill>
-                  <a:schemeClr val="tx1"/>
-                </a:solidFill>
-                <a:latin typeface="Verdana"/>
-                <a:ea typeface="+mn-ea"/>
-                <a:cs typeface="Verdana"/>
-              </a:defRPr>
-            </a:lvl2pPr>
-            <a:lvl3pPr marL="7133876" indent="-1426776" algn="l" defTabSz="2853550" rtl="0" eaLnBrk="0" fontAlgn="base" hangingPunct="0">
-              <a:spcBef>
-                <a:spcPct val="20000"/>
-              </a:spcBef>
-              <a:spcAft>
-                <a:spcPct val="0"/>
-              </a:spcAft>
-              <a:buFont typeface="Arial" panose="020B0604020202020204" pitchFamily="34" charset="0"/>
-              <a:buChar char="•"/>
-              <a:defRPr sz="5617" kern="1200">
-                <a:solidFill>
-                  <a:schemeClr val="tx1"/>
-                </a:solidFill>
-                <a:latin typeface="Verdana"/>
-                <a:ea typeface="+mn-ea"/>
-                <a:cs typeface="Verdana"/>
-              </a:defRPr>
-            </a:lvl3pPr>
-            <a:lvl4pPr marL="9987427" indent="-1426776" algn="l" defTabSz="2853550" rtl="0" eaLnBrk="0" fontAlgn="base" hangingPunct="0">
-              <a:spcBef>
-                <a:spcPct val="20000"/>
-              </a:spcBef>
-              <a:spcAft>
-                <a:spcPct val="0"/>
-              </a:spcAft>
-              <a:buFont typeface="Arial" panose="020B0604020202020204" pitchFamily="34" charset="0"/>
-              <a:buChar char="–"/>
-              <a:defRPr sz="5617" kern="1200">
-                <a:solidFill>
-                  <a:schemeClr val="tx1"/>
-                </a:solidFill>
-                <a:latin typeface="Verdana"/>
-                <a:ea typeface="+mn-ea"/>
-                <a:cs typeface="Verdana"/>
-              </a:defRPr>
-            </a:lvl4pPr>
-            <a:lvl5pPr marL="12840977" indent="-1426776" algn="l" defTabSz="2853550" rtl="0" eaLnBrk="0" fontAlgn="base" hangingPunct="0">
-              <a:spcBef>
-                <a:spcPct val="20000"/>
-              </a:spcBef>
-              <a:spcAft>
-                <a:spcPct val="0"/>
-              </a:spcAft>
-              <a:buFont typeface="Arial" panose="020B0604020202020204" pitchFamily="34" charset="0"/>
-              <a:buChar char="»"/>
-              <a:defRPr sz="5617" kern="1200">
-                <a:solidFill>
-                  <a:schemeClr val="tx1"/>
-                </a:solidFill>
-                <a:latin typeface="Verdana"/>
-                <a:ea typeface="+mn-ea"/>
-                <a:cs typeface="Verdana"/>
-              </a:defRPr>
-            </a:lvl5pPr>
-            <a:lvl6pPr marL="15694527" indent="-1426776" algn="l" defTabSz="2853550" rtl="0" eaLnBrk="1" latinLnBrk="0" hangingPunct="1">
-              <a:spcBef>
-                <a:spcPct val="20000"/>
-              </a:spcBef>
-              <a:buFont typeface="Arial"/>
-              <a:buChar char="•"/>
-              <a:defRPr sz="12482" kern="1200">
-                <a:solidFill>
-                  <a:schemeClr val="tx1"/>
-                </a:solidFill>
-                <a:latin typeface="+mn-lt"/>
-                <a:ea typeface="+mn-ea"/>
-                <a:cs typeface="+mn-cs"/>
-              </a:defRPr>
-            </a:lvl6pPr>
-            <a:lvl7pPr marL="18548078" indent="-1426776" algn="l" defTabSz="2853550" rtl="0" eaLnBrk="1" latinLnBrk="0" hangingPunct="1">
-              <a:spcBef>
-                <a:spcPct val="20000"/>
-              </a:spcBef>
-              <a:buFont typeface="Arial"/>
-              <a:buChar char="•"/>
-              <a:defRPr sz="12482" kern="1200">
-                <a:solidFill>
-                  <a:schemeClr val="tx1"/>
-                </a:solidFill>
-                <a:latin typeface="+mn-lt"/>
-                <a:ea typeface="+mn-ea"/>
-                <a:cs typeface="+mn-cs"/>
-              </a:defRPr>
-            </a:lvl7pPr>
-            <a:lvl8pPr marL="21401628" indent="-1426776" algn="l" defTabSz="2853550" rtl="0" eaLnBrk="1" latinLnBrk="0" hangingPunct="1">
-              <a:spcBef>
-                <a:spcPct val="20000"/>
-              </a:spcBef>
-              <a:buFont typeface="Arial"/>
-              <a:buChar char="•"/>
-              <a:defRPr sz="12482" kern="1200">
-                <a:solidFill>
-                  <a:schemeClr val="tx1"/>
-                </a:solidFill>
-                <a:latin typeface="+mn-lt"/>
-                <a:ea typeface="+mn-ea"/>
-                <a:cs typeface="+mn-cs"/>
-              </a:defRPr>
-            </a:lvl8pPr>
-            <a:lvl9pPr marL="24255180" indent="-1426776" algn="l" defTabSz="2853550" rtl="0" eaLnBrk="1" latinLnBrk="0" hangingPunct="1">
-              <a:spcBef>
-                <a:spcPct val="20000"/>
-              </a:spcBef>
-              <a:buFont typeface="Arial"/>
-              <a:buChar char="•"/>
-              <a:defRPr sz="12482" kern="1200">
-                <a:solidFill>
-                  <a:schemeClr val="tx1"/>
-                </a:solidFill>
-                <a:latin typeface="+mn-lt"/>
-                <a:ea typeface="+mn-ea"/>
-                <a:cs typeface="+mn-cs"/>
-              </a:defRPr>
-            </a:lvl9pPr>
-          </a:lstStyle>
-          <a:p>
-            <a:pPr algn="l">
-              <a:lnSpc>
-                <a:spcPct val="150000"/>
-              </a:lnSpc>
-            </a:pPr>
-            <a:r>
-              <a:rPr lang="de-DE" sz="1600" b="1" dirty="0">
-                <a:solidFill>
-                  <a:schemeClr val="tx1"/>
-                </a:solidFill>
-              </a:rPr>
-              <a:t>Bildunterschrift: </a:t>
-            </a:r>
-            <a:r>
-              <a:rPr lang="de-DE" sz="1600" dirty="0" err="1">
-                <a:solidFill>
-                  <a:schemeClr val="tx1"/>
-                </a:solidFill>
-              </a:rPr>
-              <a:t>Fuckin</a:t>
-            </a:r>
-            <a:r>
-              <a:rPr lang="de-DE" sz="1600" dirty="0">
-                <a:solidFill>
-                  <a:schemeClr val="tx1"/>
-                </a:solidFill>
-              </a:rPr>
-              <a:t> explain </a:t>
-            </a:r>
-            <a:r>
-              <a:rPr lang="de-DE" sz="1600" dirty="0" err="1">
-                <a:solidFill>
-                  <a:schemeClr val="tx1"/>
-                </a:solidFill>
-              </a:rPr>
-              <a:t>the</a:t>
-            </a:r>
-            <a:r>
-              <a:rPr lang="de-DE" sz="1600" dirty="0">
-                <a:solidFill>
-                  <a:schemeClr val="tx1"/>
-                </a:solidFill>
-              </a:rPr>
-              <a:t> </a:t>
-            </a:r>
-            <a:r>
-              <a:rPr lang="de-DE" sz="1600" dirty="0" err="1">
-                <a:solidFill>
-                  <a:schemeClr val="tx1"/>
-                </a:solidFill>
-              </a:rPr>
-              <a:t>image</a:t>
-            </a:r>
-            <a:r>
-              <a:rPr lang="de-DE" sz="1600" dirty="0">
-                <a:solidFill>
-                  <a:schemeClr val="tx1"/>
-                </a:solidFill>
-              </a:rPr>
-              <a:t> what </a:t>
-            </a:r>
-            <a:r>
-              <a:rPr lang="de-DE" sz="1600" dirty="0" err="1">
-                <a:solidFill>
-                  <a:schemeClr val="tx1"/>
-                </a:solidFill>
-              </a:rPr>
-              <a:t>the</a:t>
-            </a:r>
-            <a:r>
-              <a:rPr lang="de-DE" sz="1600" dirty="0">
-                <a:solidFill>
-                  <a:schemeClr val="tx1"/>
-                </a:solidFill>
-              </a:rPr>
-              <a:t> fuck</a:t>
-            </a:r>
-            <a:endParaRPr lang="en-US" sz="1600" dirty="0">
-              <a:solidFill>
-                <a:schemeClr val="tx1"/>
-              </a:solidFill>
-            </a:endParaRPr>
-          </a:p>
-        </p:txBody>
-      </p:sp>
-      <p:sp>
-        <p:nvSpPr>
-          <p:cNvPr id="23" name="Textplatzhalter 26"/>
-          <p:cNvSpPr txBox="1">
-            <a:spLocks/>
-          </p:cNvSpPr>
-          <p:nvPr/>
-        </p:nvSpPr>
-        <p:spPr>
-          <a:xfrm>
-            <a:off x="2033061" y="32234855"/>
-            <a:ext cx="12424818" cy="2927591"/>
-          </a:xfrm>
-          <a:prstGeom prst="rect">
-            <a:avLst/>
-          </a:prstGeom>
-        </p:spPr>
-        <p:txBody>
-          <a:bodyPr vert="horz"/>
-          <a:lstStyle>
-            <a:lvl1pPr marL="0" indent="0" algn="ctr" defTabSz="2853550" rtl="0" eaLnBrk="0" fontAlgn="base" hangingPunct="0">
-              <a:spcBef>
-                <a:spcPct val="20000"/>
-              </a:spcBef>
-              <a:spcAft>
-                <a:spcPct val="0"/>
-              </a:spcAft>
-              <a:buFont typeface="Lucida Grande"/>
-              <a:buNone/>
-              <a:defRPr sz="16228" kern="1200">
-                <a:solidFill>
-                  <a:schemeClr val="accent3"/>
-                </a:solidFill>
-                <a:latin typeface="Segoe UI" panose="020B0502040204020203" pitchFamily="34" charset="0"/>
-                <a:ea typeface="+mn-ea"/>
-                <a:cs typeface="Segoe UI" panose="020B0502040204020203" pitchFamily="34" charset="0"/>
-              </a:defRPr>
-            </a:lvl1pPr>
-            <a:lvl2pPr marL="4637019" indent="-1783469" algn="l" defTabSz="2853550" rtl="0" eaLnBrk="0" fontAlgn="base" hangingPunct="0">
-              <a:spcBef>
-                <a:spcPct val="20000"/>
-              </a:spcBef>
-              <a:spcAft>
-                <a:spcPct val="0"/>
-              </a:spcAft>
-              <a:buFont typeface="Arial" panose="020B0604020202020204" pitchFamily="34" charset="0"/>
-              <a:buChar char="–"/>
-              <a:defRPr sz="5617" kern="1200">
-                <a:solidFill>
-                  <a:schemeClr val="tx1"/>
-                </a:solidFill>
-                <a:latin typeface="Verdana"/>
-                <a:ea typeface="+mn-ea"/>
-                <a:cs typeface="Verdana"/>
-              </a:defRPr>
-            </a:lvl2pPr>
-            <a:lvl3pPr marL="7133876" indent="-1426776" algn="l" defTabSz="2853550" rtl="0" eaLnBrk="0" fontAlgn="base" hangingPunct="0">
-              <a:spcBef>
-                <a:spcPct val="20000"/>
-              </a:spcBef>
-              <a:spcAft>
-                <a:spcPct val="0"/>
-              </a:spcAft>
-              <a:buFont typeface="Arial" panose="020B0604020202020204" pitchFamily="34" charset="0"/>
-              <a:buChar char="•"/>
-              <a:defRPr sz="5617" kern="1200">
-                <a:solidFill>
-                  <a:schemeClr val="tx1"/>
-                </a:solidFill>
-                <a:latin typeface="Verdana"/>
-                <a:ea typeface="+mn-ea"/>
-                <a:cs typeface="Verdana"/>
-              </a:defRPr>
-            </a:lvl3pPr>
-            <a:lvl4pPr marL="9987427" indent="-1426776" algn="l" defTabSz="2853550" rtl="0" eaLnBrk="0" fontAlgn="base" hangingPunct="0">
-              <a:spcBef>
-                <a:spcPct val="20000"/>
-              </a:spcBef>
-              <a:spcAft>
-                <a:spcPct val="0"/>
-              </a:spcAft>
-              <a:buFont typeface="Arial" panose="020B0604020202020204" pitchFamily="34" charset="0"/>
-              <a:buChar char="–"/>
-              <a:defRPr sz="5617" kern="1200">
-                <a:solidFill>
-                  <a:schemeClr val="tx1"/>
-                </a:solidFill>
-                <a:latin typeface="Verdana"/>
-                <a:ea typeface="+mn-ea"/>
-                <a:cs typeface="Verdana"/>
-              </a:defRPr>
-            </a:lvl4pPr>
-            <a:lvl5pPr marL="12840977" indent="-1426776" algn="l" defTabSz="2853550" rtl="0" eaLnBrk="0" fontAlgn="base" hangingPunct="0">
-              <a:spcBef>
-                <a:spcPct val="20000"/>
-              </a:spcBef>
-              <a:spcAft>
-                <a:spcPct val="0"/>
-              </a:spcAft>
-              <a:buFont typeface="Arial" panose="020B0604020202020204" pitchFamily="34" charset="0"/>
-              <a:buChar char="»"/>
-              <a:defRPr sz="5617" kern="1200">
-                <a:solidFill>
-                  <a:schemeClr val="tx1"/>
-                </a:solidFill>
-                <a:latin typeface="Verdana"/>
-                <a:ea typeface="+mn-ea"/>
-                <a:cs typeface="Verdana"/>
-              </a:defRPr>
-            </a:lvl5pPr>
-            <a:lvl6pPr marL="15694527" indent="-1426776" algn="l" defTabSz="2853550" rtl="0" eaLnBrk="1" latinLnBrk="0" hangingPunct="1">
-              <a:spcBef>
-                <a:spcPct val="20000"/>
-              </a:spcBef>
-              <a:buFont typeface="Arial"/>
-              <a:buChar char="•"/>
-              <a:defRPr sz="12482" kern="1200">
-                <a:solidFill>
-                  <a:schemeClr val="tx1"/>
-                </a:solidFill>
-                <a:latin typeface="+mn-lt"/>
-                <a:ea typeface="+mn-ea"/>
-                <a:cs typeface="+mn-cs"/>
-              </a:defRPr>
-            </a:lvl6pPr>
-            <a:lvl7pPr marL="18548078" indent="-1426776" algn="l" defTabSz="2853550" rtl="0" eaLnBrk="1" latinLnBrk="0" hangingPunct="1">
-              <a:spcBef>
-                <a:spcPct val="20000"/>
-              </a:spcBef>
-              <a:buFont typeface="Arial"/>
-              <a:buChar char="•"/>
-              <a:defRPr sz="12482" kern="1200">
-                <a:solidFill>
-                  <a:schemeClr val="tx1"/>
-                </a:solidFill>
-                <a:latin typeface="+mn-lt"/>
-                <a:ea typeface="+mn-ea"/>
-                <a:cs typeface="+mn-cs"/>
-              </a:defRPr>
-            </a:lvl7pPr>
-            <a:lvl8pPr marL="21401628" indent="-1426776" algn="l" defTabSz="2853550" rtl="0" eaLnBrk="1" latinLnBrk="0" hangingPunct="1">
-              <a:spcBef>
-                <a:spcPct val="20000"/>
-              </a:spcBef>
-              <a:buFont typeface="Arial"/>
-              <a:buChar char="•"/>
-              <a:defRPr sz="12482" kern="1200">
-                <a:solidFill>
-                  <a:schemeClr val="tx1"/>
-                </a:solidFill>
-                <a:latin typeface="+mn-lt"/>
-                <a:ea typeface="+mn-ea"/>
-                <a:cs typeface="+mn-cs"/>
-              </a:defRPr>
-            </a:lvl8pPr>
-            <a:lvl9pPr marL="24255180" indent="-1426776" algn="l" defTabSz="2853550" rtl="0" eaLnBrk="1" latinLnBrk="0" hangingPunct="1">
-              <a:spcBef>
-                <a:spcPct val="20000"/>
-              </a:spcBef>
-              <a:buFont typeface="Arial"/>
-              <a:buChar char="•"/>
-              <a:defRPr sz="12482" kern="1200">
-                <a:solidFill>
-                  <a:schemeClr val="tx1"/>
-                </a:solidFill>
-                <a:latin typeface="+mn-lt"/>
-                <a:ea typeface="+mn-ea"/>
-                <a:cs typeface="+mn-cs"/>
-              </a:defRPr>
-            </a:lvl9pPr>
-          </a:lstStyle>
-          <a:p>
-            <a:pPr algn="l">
-              <a:lnSpc>
-                <a:spcPct val="150000"/>
-              </a:lnSpc>
-            </a:pPr>
-            <a:r>
-              <a:rPr lang="de-DE" sz="1600" b="1" dirty="0">
-                <a:solidFill>
-                  <a:schemeClr val="tx1"/>
-                </a:solidFill>
-              </a:rPr>
-              <a:t>Bildunterschrift: </a:t>
-            </a:r>
-            <a:r>
-              <a:rPr lang="en-US" sz="1600" dirty="0">
-                <a:solidFill>
-                  <a:schemeClr val="tx1"/>
-                </a:solidFill>
-              </a:rPr>
-              <a:t>Each </a:t>
-            </a:r>
-            <a:r>
-              <a:rPr lang="en-US" sz="1600" b="1" dirty="0">
-                <a:solidFill>
-                  <a:schemeClr val="tx1"/>
-                </a:solidFill>
-              </a:rPr>
-              <a:t>AWG input spectrum</a:t>
-            </a:r>
-            <a:r>
-              <a:rPr lang="en-US" sz="1600" dirty="0">
-                <a:solidFill>
-                  <a:schemeClr val="tx1"/>
-                </a:solidFill>
-              </a:rPr>
-              <a:t> has </a:t>
-            </a:r>
-            <a:r>
-              <a:rPr lang="en-US" sz="1600" b="1" dirty="0">
-                <a:solidFill>
-                  <a:schemeClr val="tx1"/>
-                </a:solidFill>
-              </a:rPr>
-              <a:t>11 real valued &amp;</a:t>
-            </a:r>
-            <a:r>
-              <a:rPr lang="en-US" sz="1600" dirty="0">
-                <a:solidFill>
-                  <a:schemeClr val="tx1"/>
-                </a:solidFill>
-              </a:rPr>
-              <a:t> </a:t>
-            </a:r>
-            <a:r>
-              <a:rPr lang="en-US" sz="1600" b="1" dirty="0">
-                <a:solidFill>
-                  <a:schemeClr val="tx1"/>
-                </a:solidFill>
-              </a:rPr>
-              <a:t>11 complex valued frequencies</a:t>
-            </a:r>
-            <a:r>
-              <a:rPr lang="en-US" sz="1600" dirty="0">
-                <a:solidFill>
-                  <a:schemeClr val="tx1"/>
-                </a:solidFill>
-              </a:rPr>
-              <a:t> ranging from </a:t>
-            </a:r>
-            <a:r>
-              <a:rPr lang="en-US" sz="1600" b="1" dirty="0">
-                <a:solidFill>
-                  <a:schemeClr val="tx1"/>
-                </a:solidFill>
-              </a:rPr>
-              <a:t>95 to 105 </a:t>
-            </a:r>
-            <a:r>
-              <a:rPr lang="en-US" sz="1600" b="1" dirty="0" err="1">
-                <a:solidFill>
-                  <a:schemeClr val="tx1"/>
-                </a:solidFill>
-              </a:rPr>
-              <a:t>mHz</a:t>
-            </a:r>
-            <a:r>
-              <a:rPr lang="en-US" sz="1600" dirty="0" err="1">
-                <a:solidFill>
-                  <a:schemeClr val="tx1"/>
-                </a:solidFill>
-              </a:rPr>
-              <a:t>.</a:t>
-            </a:r>
-            <a:r>
-              <a:rPr lang="en-US" sz="1600" dirty="0">
-                <a:solidFill>
-                  <a:schemeClr val="tx1"/>
-                </a:solidFill>
-              </a:rPr>
-              <a:t> </a:t>
-            </a:r>
-          </a:p>
-          <a:p>
-            <a:pPr algn="l">
-              <a:lnSpc>
-                <a:spcPct val="150000"/>
-              </a:lnSpc>
-            </a:pPr>
-            <a:r>
-              <a:rPr lang="en-US" sz="1600" dirty="0">
-                <a:solidFill>
-                  <a:schemeClr val="tx1"/>
-                </a:solidFill>
-              </a:rPr>
-              <a:t>Similar, each </a:t>
-            </a:r>
-            <a:r>
-              <a:rPr lang="en-US" sz="1600" b="1" dirty="0">
-                <a:solidFill>
-                  <a:schemeClr val="tx1"/>
-                </a:solidFill>
-              </a:rPr>
-              <a:t>AOM output spectrum </a:t>
-            </a:r>
-            <a:r>
-              <a:rPr lang="en-US" sz="1600" dirty="0">
-                <a:solidFill>
-                  <a:schemeClr val="tx1"/>
-                </a:solidFill>
-              </a:rPr>
-              <a:t>has </a:t>
-            </a:r>
-            <a:r>
-              <a:rPr lang="en-US" sz="1600" b="1" dirty="0">
-                <a:solidFill>
-                  <a:schemeClr val="tx1"/>
-                </a:solidFill>
-              </a:rPr>
-              <a:t>101 real valued &amp; 101 complex valued frequencies</a:t>
-            </a:r>
-            <a:r>
-              <a:rPr lang="en-US" sz="1600" dirty="0">
-                <a:solidFill>
-                  <a:schemeClr val="tx1"/>
-                </a:solidFill>
-              </a:rPr>
-              <a:t> ranging from </a:t>
-            </a:r>
-            <a:r>
-              <a:rPr lang="en-US" sz="1600" b="1" dirty="0">
-                <a:solidFill>
-                  <a:schemeClr val="tx1"/>
-                </a:solidFill>
-              </a:rPr>
-              <a:t>50 to 150 </a:t>
-            </a:r>
-            <a:r>
-              <a:rPr lang="en-US" sz="1600" b="1" dirty="0" err="1">
-                <a:solidFill>
-                  <a:schemeClr val="tx1"/>
-                </a:solidFill>
-              </a:rPr>
-              <a:t>mHz</a:t>
-            </a:r>
-            <a:r>
-              <a:rPr lang="en-US" sz="1600" dirty="0" err="1">
-                <a:solidFill>
-                  <a:schemeClr val="tx1"/>
-                </a:solidFill>
-              </a:rPr>
-              <a:t>.</a:t>
-            </a:r>
-            <a:r>
-              <a:rPr lang="en-US" sz="1600" dirty="0">
-                <a:solidFill>
-                  <a:schemeClr val="tx1"/>
-                </a:solidFill>
-              </a:rPr>
-              <a:t> </a:t>
-            </a:r>
-          </a:p>
-          <a:p>
-            <a:pPr algn="l">
-              <a:lnSpc>
-                <a:spcPct val="150000"/>
-              </a:lnSpc>
-            </a:pPr>
-            <a:r>
-              <a:rPr lang="en-US" sz="1600" dirty="0">
-                <a:solidFill>
-                  <a:schemeClr val="tx1"/>
-                </a:solidFill>
-              </a:rPr>
-              <a:t>The </a:t>
-            </a:r>
-            <a:r>
-              <a:rPr lang="en-US" sz="1600" b="1" dirty="0">
-                <a:solidFill>
-                  <a:schemeClr val="tx1"/>
-                </a:solidFill>
-              </a:rPr>
-              <a:t>training data </a:t>
-            </a:r>
-            <a:r>
-              <a:rPr lang="en-US" sz="1600" dirty="0">
-                <a:solidFill>
-                  <a:schemeClr val="tx1"/>
-                </a:solidFill>
-              </a:rPr>
-              <a:t>is </a:t>
-            </a:r>
-            <a:r>
-              <a:rPr lang="en-US" sz="1600" b="1" dirty="0">
-                <a:solidFill>
-                  <a:schemeClr val="tx1"/>
-                </a:solidFill>
-              </a:rPr>
-              <a:t>generated</a:t>
-            </a:r>
-            <a:r>
-              <a:rPr lang="en-US" sz="1600" dirty="0">
-                <a:solidFill>
-                  <a:schemeClr val="tx1"/>
-                </a:solidFill>
-              </a:rPr>
-              <a:t> </a:t>
-            </a:r>
-            <a:r>
-              <a:rPr lang="en-US" sz="1600" b="1" dirty="0">
-                <a:solidFill>
-                  <a:schemeClr val="tx1"/>
-                </a:solidFill>
-              </a:rPr>
-              <a:t>without noise or missing values</a:t>
-            </a:r>
-            <a:r>
-              <a:rPr lang="en-US" sz="1600" dirty="0">
-                <a:solidFill>
-                  <a:schemeClr val="tx1"/>
-                </a:solidFill>
-              </a:rPr>
-              <a:t>.</a:t>
-            </a:r>
-          </a:p>
-          <a:p>
-            <a:pPr algn="l">
-              <a:lnSpc>
-                <a:spcPct val="150000"/>
-              </a:lnSpc>
-            </a:pPr>
-            <a:r>
-              <a:rPr lang="en-US" sz="1600" dirty="0">
-                <a:solidFill>
-                  <a:schemeClr val="tx1"/>
-                </a:solidFill>
-              </a:rPr>
-              <a:t>For this we </a:t>
-            </a:r>
-            <a:r>
-              <a:rPr lang="en-US" sz="1600" b="1" dirty="0">
-                <a:solidFill>
-                  <a:schemeClr val="tx1"/>
-                </a:solidFill>
-              </a:rPr>
-              <a:t>sample</a:t>
-            </a:r>
-            <a:r>
-              <a:rPr lang="en-US" sz="1600" dirty="0">
-                <a:solidFill>
-                  <a:schemeClr val="tx1"/>
-                </a:solidFill>
-              </a:rPr>
-              <a:t> the </a:t>
-            </a:r>
-            <a:r>
-              <a:rPr lang="en-US" sz="1600" b="1" dirty="0">
-                <a:solidFill>
-                  <a:schemeClr val="tx1"/>
-                </a:solidFill>
-              </a:rPr>
-              <a:t>potential AWG input spectra </a:t>
-            </a:r>
-            <a:r>
-              <a:rPr lang="en-US" sz="1600" dirty="0">
-                <a:solidFill>
-                  <a:schemeClr val="tx1"/>
-                </a:solidFill>
-              </a:rPr>
-              <a:t>by </a:t>
-            </a:r>
-            <a:r>
-              <a:rPr lang="en-US" sz="1600" b="1" dirty="0">
-                <a:solidFill>
-                  <a:schemeClr val="tx1"/>
-                </a:solidFill>
-              </a:rPr>
-              <a:t>randomly selecting points</a:t>
-            </a:r>
-            <a:r>
-              <a:rPr lang="en-US" sz="1600" dirty="0">
-                <a:solidFill>
-                  <a:schemeClr val="tx1"/>
-                </a:solidFill>
-              </a:rPr>
-              <a:t> on the </a:t>
-            </a:r>
-            <a:r>
-              <a:rPr lang="en-US" sz="1600" b="1" dirty="0">
-                <a:solidFill>
-                  <a:schemeClr val="tx1"/>
-                </a:solidFill>
-              </a:rPr>
-              <a:t>surface of a 22-dimensional sphere</a:t>
-            </a:r>
-            <a:r>
-              <a:rPr lang="en-US" sz="1600" dirty="0">
-                <a:solidFill>
-                  <a:schemeClr val="tx1"/>
-                </a:solidFill>
-              </a:rPr>
-              <a:t>, </a:t>
-            </a:r>
-            <a:r>
-              <a:rPr lang="en-US" sz="1600" b="1" dirty="0">
-                <a:solidFill>
-                  <a:schemeClr val="tx1"/>
-                </a:solidFill>
-              </a:rPr>
-              <a:t>ensuring </a:t>
-            </a:r>
-            <a:r>
-              <a:rPr lang="en-US" sz="1600" dirty="0">
-                <a:solidFill>
-                  <a:schemeClr val="tx1"/>
-                </a:solidFill>
-              </a:rPr>
-              <a:t>that the </a:t>
-            </a:r>
-            <a:r>
-              <a:rPr lang="en-US" sz="1600" b="1" dirty="0">
-                <a:solidFill>
-                  <a:schemeClr val="tx1"/>
-                </a:solidFill>
-              </a:rPr>
-              <a:t>norm</a:t>
-            </a:r>
-            <a:r>
-              <a:rPr lang="en-US" sz="1600" dirty="0">
-                <a:solidFill>
-                  <a:schemeClr val="tx1"/>
-                </a:solidFill>
-              </a:rPr>
-              <a:t> is </a:t>
-            </a:r>
-            <a:r>
-              <a:rPr lang="en-US" sz="1600" b="1" dirty="0">
-                <a:solidFill>
-                  <a:schemeClr val="tx1"/>
-                </a:solidFill>
-              </a:rPr>
-              <a:t>constant</a:t>
-            </a:r>
-            <a:r>
-              <a:rPr lang="en-US" sz="1600" dirty="0">
-                <a:solidFill>
-                  <a:schemeClr val="tx1"/>
-                </a:solidFill>
-              </a:rPr>
-              <a:t>. The </a:t>
-            </a:r>
-            <a:r>
-              <a:rPr lang="en-US" sz="1600" b="1" dirty="0">
-                <a:solidFill>
-                  <a:schemeClr val="tx1"/>
-                </a:solidFill>
-              </a:rPr>
-              <a:t>AOM output </a:t>
-            </a:r>
-            <a:r>
-              <a:rPr lang="en-US" sz="1600" dirty="0">
-                <a:solidFill>
-                  <a:schemeClr val="tx1"/>
-                </a:solidFill>
-              </a:rPr>
-              <a:t>is </a:t>
-            </a:r>
-            <a:r>
-              <a:rPr lang="en-US" sz="1600" b="1" dirty="0">
-                <a:solidFill>
-                  <a:schemeClr val="tx1"/>
-                </a:solidFill>
-              </a:rPr>
-              <a:t>obtained by simulating the AOM using</a:t>
-            </a:r>
-            <a:r>
-              <a:rPr lang="en-US" sz="1600" dirty="0">
-                <a:solidFill>
-                  <a:schemeClr val="tx1"/>
-                </a:solidFill>
-              </a:rPr>
-              <a:t> a </a:t>
-            </a:r>
-            <a:r>
-              <a:rPr lang="en-US" sz="1600" b="1" dirty="0">
-                <a:solidFill>
-                  <a:schemeClr val="tx1"/>
-                </a:solidFill>
-              </a:rPr>
-              <a:t>complexity similar mathematical model</a:t>
-            </a:r>
-            <a:r>
-              <a:rPr lang="en-US" sz="1600" dirty="0">
-                <a:solidFill>
-                  <a:schemeClr val="tx1"/>
-                </a:solidFill>
-              </a:rPr>
-              <a:t>. </a:t>
-            </a:r>
-          </a:p>
-          <a:p>
-            <a:pPr algn="l">
-              <a:lnSpc>
-                <a:spcPct val="150000"/>
-              </a:lnSpc>
-            </a:pPr>
-            <a:r>
-              <a:rPr lang="en-US" sz="1600" dirty="0">
-                <a:solidFill>
-                  <a:schemeClr val="tx1"/>
-                </a:solidFill>
-              </a:rPr>
-              <a:t>Using both the simulated AOM output spectra as input and the sampled AWG input spectra as desired output, we train the model.</a:t>
-            </a:r>
-          </a:p>
-          <a:p>
-            <a:pPr algn="l">
-              <a:lnSpc>
-                <a:spcPct val="150000"/>
-              </a:lnSpc>
-            </a:pPr>
-            <a:endParaRPr lang="en-US" sz="1600" dirty="0">
-              <a:solidFill>
-                <a:schemeClr val="tx1"/>
-              </a:solidFill>
-            </a:endParaRPr>
           </a:p>
         </p:txBody>
       </p:sp>
@@ -6005,8 +5113,8 @@
         </p:nvSpPr>
         <p:spPr>
           <a:xfrm>
-            <a:off x="2010272" y="9700255"/>
-            <a:ext cx="25984200" cy="4716850"/>
+            <a:off x="2033061" y="7791717"/>
+            <a:ext cx="25984200" cy="2024336"/>
           </a:xfrm>
           <a:prstGeom prst="rect">
             <a:avLst/>
@@ -6186,7 +5294,7 @@
                   <a:schemeClr val="bg1"/>
                 </a:solidFill>
               </a:rPr>
-              <a:t>Doner</a:t>
+              <a:t>Donor</a:t>
             </a:r>
             <a:r>
               <a:rPr lang="de-DE" sz="4800" b="1" dirty="0">
@@ -6280,7 +5388,7 @@
         </p:nvSpPr>
         <p:spPr>
           <a:xfrm>
-            <a:off x="15572116" y="17408800"/>
+            <a:off x="15471925" y="15355061"/>
             <a:ext cx="12545336" cy="22211105"/>
           </a:xfrm>
           <a:prstGeom prst="rect">
@@ -6448,12 +5556,20 @@
               </a:lnSpc>
             </a:pPr>
             <a:r>
-              <a:rPr lang="de-DE" sz="4800" b="1" dirty="0">
+              <a:rPr lang="de-DE" sz="3200" b="1" dirty="0">
                 <a:solidFill>
                   <a:srgbClr val="19406B"/>
                 </a:solidFill>
               </a:rPr>
-              <a:t>Motivation</a:t>
+              <a:t>Motivation </a:t>
+            </a:r>
+            <a:r>
+              <a:rPr lang="de-DE" sz="1200" dirty="0">
+                <a:solidFill>
+                  <a:schemeClr val="tx1"/>
+                </a:solidFill>
+              </a:rPr>
+              <a:t>[Image 1, Image 2]</a:t>
             </a:r>
           </a:p>
           <a:p>
@@ -6463,7 +5579,7 @@
               </a:lnSpc>
             </a:pPr>
             <a:r>
-              <a:rPr lang="en-US" sz="3200" dirty="0">
+              <a:rPr lang="en-US" sz="2400" dirty="0">
                 <a:solidFill>
                   <a:schemeClr val="tx1"/>
                 </a:solidFill>
@@ -6471,47 +5587,31 @@
               <a:t>For experiments in the field of quantum photonics </a:t>
             </a:r>
             <a:r>
-              <a:rPr lang="en-US" sz="3200" b="1" dirty="0">
-                <a:solidFill>
-                  <a:schemeClr val="tx1"/>
-                </a:solidFill>
-              </a:rPr>
-              <a:t>concrete frequency spectra are needed</a:t>
-            </a:r>
-            <a:r>
-              <a:rPr lang="en-US" sz="3200" dirty="0">
-                <a:solidFill>
-                  <a:schemeClr val="tx1"/>
-                </a:solidFill>
-              </a:rPr>
-              <a:t> often. </a:t>
-            </a:r>
-            <a:r>
-              <a:rPr lang="en-US" sz="3200" b="1" dirty="0">
-                <a:solidFill>
-                  <a:schemeClr val="tx1"/>
-                </a:solidFill>
-              </a:rPr>
-              <a:t>Controlling those</a:t>
-            </a:r>
-            <a:r>
-              <a:rPr lang="en-US" sz="3200" dirty="0">
-                <a:solidFill>
-                  <a:schemeClr val="tx1"/>
-                </a:solidFill>
-              </a:rPr>
-              <a:t> as desired via the predictions of the required AWG configurations given by our model, </a:t>
-            </a:r>
-            <a:r>
-              <a:rPr lang="en-US" sz="3200" b="1" dirty="0">
-                <a:solidFill>
-                  <a:schemeClr val="tx1"/>
-                </a:solidFill>
-              </a:rPr>
-              <a:t>works handy</a:t>
-            </a:r>
-            <a:r>
-              <a:rPr lang="en-US" sz="3200" dirty="0">
+              <a:rPr lang="en-US" sz="2400" b="1" dirty="0">
+                <a:solidFill>
+                  <a:schemeClr val="tx1"/>
+                </a:solidFill>
+              </a:rPr>
+              <a:t>concrete frequency spectra </a:t>
+            </a:r>
+            <a:r>
+              <a:rPr lang="en-US" sz="2400" dirty="0">
+                <a:solidFill>
+                  <a:schemeClr val="tx1"/>
+                </a:solidFill>
+              </a:rPr>
+              <a:t>are often needed. Due to </a:t>
+            </a:r>
+            <a:r>
+              <a:rPr lang="en-US" sz="2400" b="1" dirty="0">
+                <a:solidFill>
+                  <a:schemeClr val="tx1"/>
+                </a:solidFill>
+              </a:rPr>
+              <a:t>nonlinear</a:t>
+            </a:r>
+            <a:r>
+              <a:rPr lang="en-US" sz="2400" dirty="0">
                 <a:solidFill>
                   <a:schemeClr val="tx1"/>
                 </a:solidFill>
@@ -6519,20 +5619,84 @@
               <a:t> and </a:t>
             </a:r>
             <a:r>
-              <a:rPr lang="en-US" sz="3200" b="1" dirty="0">
-                <a:solidFill>
-                  <a:schemeClr val="tx1"/>
-                </a:solidFill>
-              </a:rPr>
-              <a:t>saves a lot of time</a:t>
-            </a:r>
-            <a:r>
-              <a:rPr lang="en-US" sz="3200" dirty="0">
-                <a:solidFill>
-                  <a:schemeClr val="tx1"/>
-                </a:solidFill>
-              </a:rPr>
-              <a:t>.</a:t>
+              <a:rPr lang="en-US" sz="2400" b="1" dirty="0">
+                <a:solidFill>
+                  <a:schemeClr val="tx1"/>
+                </a:solidFill>
+              </a:rPr>
+              <a:t>complex input-output relationships,</a:t>
+            </a:r>
+            <a:r>
+              <a:rPr lang="en-US" sz="2400" dirty="0">
+                <a:solidFill>
+                  <a:schemeClr val="tx1"/>
+                </a:solidFill>
+              </a:rPr>
+              <a:t> the required AWG configurations </a:t>
+            </a:r>
+            <a:r>
+              <a:rPr lang="en-US" sz="2400" b="1" dirty="0">
+                <a:solidFill>
+                  <a:schemeClr val="tx1"/>
+                </a:solidFill>
+              </a:rPr>
+              <a:t>can not be computed </a:t>
+            </a:r>
+            <a:r>
+              <a:rPr lang="en-US" sz="2400" dirty="0">
+                <a:solidFill>
+                  <a:schemeClr val="tx1"/>
+                </a:solidFill>
+              </a:rPr>
+              <a:t>easily but by applying </a:t>
+            </a:r>
+            <a:r>
+              <a:rPr lang="en-US" sz="2400" b="1" dirty="0">
+                <a:solidFill>
+                  <a:schemeClr val="tx1"/>
+                </a:solidFill>
+              </a:rPr>
+              <a:t>machine learning methods </a:t>
+            </a:r>
+            <a:r>
+              <a:rPr lang="en-US" sz="2400" dirty="0">
+                <a:solidFill>
+                  <a:schemeClr val="tx1"/>
+                </a:solidFill>
+              </a:rPr>
+              <a:t> we can predict them to a certain accuracy. Doing so, we achieve the </a:t>
+            </a:r>
+            <a:r>
+              <a:rPr lang="en-US" sz="2400" b="1" dirty="0">
+                <a:solidFill>
+                  <a:schemeClr val="tx1"/>
+                </a:solidFill>
+              </a:rPr>
+              <a:t>ability to control</a:t>
+            </a:r>
+            <a:r>
+              <a:rPr lang="en-US" sz="2400" dirty="0">
+                <a:solidFill>
+                  <a:schemeClr val="tx1"/>
+                </a:solidFill>
+              </a:rPr>
+              <a:t> output frequency spectra </a:t>
+            </a:r>
+            <a:r>
+              <a:rPr lang="en-US" sz="2400" b="1" dirty="0">
+                <a:solidFill>
+                  <a:schemeClr val="tx1"/>
+                </a:solidFill>
+              </a:rPr>
+              <a:t>freely</a:t>
+            </a:r>
+            <a:r>
+              <a:rPr lang="en-US" sz="2400" dirty="0">
+                <a:solidFill>
+                  <a:schemeClr val="tx1"/>
+                </a:solidFill>
+              </a:rPr>
+              <a:t>, provided by the configurations given by our model.</a:t>
             </a:r>
           </a:p>
           <a:p>
@@ -6542,92 +5706,20 @@
               </a:lnSpc>
             </a:pPr>
             <a:r>
-              <a:rPr lang="en-US" sz="3200" dirty="0">
-                <a:solidFill>
-                  <a:schemeClr val="tx1"/>
-                </a:solidFill>
-              </a:rPr>
-              <a:t>Due to </a:t>
-            </a:r>
-            <a:r>
-              <a:rPr lang="en-US" sz="3200" b="1" dirty="0">
-                <a:solidFill>
-                  <a:schemeClr val="tx1"/>
-                </a:solidFill>
-              </a:rPr>
-              <a:t>nonlinear</a:t>
-            </a:r>
-            <a:r>
-              <a:rPr lang="en-US" sz="3200" dirty="0">
-                <a:solidFill>
-                  <a:schemeClr val="tx1"/>
-                </a:solidFill>
-              </a:rPr>
-              <a:t> and </a:t>
-            </a:r>
-            <a:r>
-              <a:rPr lang="en-US" sz="3200" b="1" dirty="0">
-                <a:solidFill>
-                  <a:schemeClr val="tx1"/>
-                </a:solidFill>
-              </a:rPr>
-              <a:t>complex input-output relationships can not be computed </a:t>
-            </a:r>
-            <a:r>
-              <a:rPr lang="en-US" sz="3200" dirty="0">
-                <a:solidFill>
-                  <a:schemeClr val="tx1"/>
-                </a:solidFill>
-              </a:rPr>
-              <a:t>in the real world</a:t>
-            </a:r>
-            <a:r>
-              <a:rPr lang="en-US" sz="3200" b="1" dirty="0">
-                <a:solidFill>
-                  <a:schemeClr val="tx1"/>
+              <a:rPr lang="de-DE" sz="3200" b="1" dirty="0" err="1">
+                <a:solidFill>
+                  <a:srgbClr val="19406B"/>
+                </a:solidFill>
+              </a:rPr>
+              <a:t>Objectives</a:t>
+            </a:r>
+            <a:r>
+              <a:rPr lang="de-DE" sz="3200" b="1" dirty="0">
+                <a:solidFill>
+                  <a:srgbClr val="19406B"/>
                 </a:solidFill>
               </a:rPr>
               <a:t> </a:t>
-            </a:r>
-            <a:r>
-              <a:rPr lang="en-US" sz="3200" dirty="0">
-                <a:solidFill>
-                  <a:schemeClr val="tx1"/>
-                </a:solidFill>
-              </a:rPr>
-              <a:t>but </a:t>
-            </a:r>
-            <a:r>
-              <a:rPr lang="en-US" sz="3200" b="1" dirty="0">
-                <a:solidFill>
-                  <a:schemeClr val="tx1"/>
-                </a:solidFill>
-              </a:rPr>
-              <a:t>learned by machine learning </a:t>
-            </a:r>
-            <a:r>
-              <a:rPr lang="en-US" sz="3200" dirty="0">
-                <a:solidFill>
-                  <a:schemeClr val="tx1"/>
-                </a:solidFill>
-              </a:rPr>
-              <a:t>methods and then </a:t>
-            </a:r>
-            <a:r>
-              <a:rPr lang="en-US" sz="3200" b="1" dirty="0">
-                <a:solidFill>
-                  <a:schemeClr val="tx1"/>
-                </a:solidFill>
-              </a:rPr>
-              <a:t>predicted accordingly</a:t>
-            </a:r>
-            <a:r>
-              <a:rPr lang="en-US" sz="3200" dirty="0">
-                <a:solidFill>
-                  <a:schemeClr val="tx1"/>
-                </a:solidFill>
-              </a:rPr>
-              <a:t>. </a:t>
             </a:r>
           </a:p>
           <a:p>
@@ -6637,34 +5729,117 @@
               </a:lnSpc>
             </a:pPr>
             <a:r>
-              <a:rPr lang="de-DE" sz="4800" b="1" dirty="0" err="1">
-                <a:solidFill>
-                  <a:srgbClr val="19406B"/>
-                </a:solidFill>
-              </a:rPr>
-              <a:t>Objectives</a:t>
-            </a:r>
-            <a:r>
-              <a:rPr lang="de-DE" sz="4800" b="1" dirty="0">
-                <a:solidFill>
-                  <a:srgbClr val="19406B"/>
+              <a:rPr lang="en-US" sz="2400" b="1" dirty="0">
+                <a:solidFill>
+                  <a:schemeClr val="tx1"/>
+                </a:solidFill>
+              </a:rPr>
+              <a:t>Find a suitable model </a:t>
+            </a:r>
+            <a:r>
+              <a:rPr lang="en-US" sz="2400" dirty="0">
+                <a:solidFill>
+                  <a:schemeClr val="tx1"/>
+                </a:solidFill>
+              </a:rPr>
+              <a:t>able to predict the required AWG input spectra, given the desired AOM output spectra and </a:t>
+            </a:r>
+            <a:r>
+              <a:rPr lang="en-US" sz="2400" b="1" dirty="0">
+                <a:solidFill>
+                  <a:schemeClr val="tx1"/>
+                </a:solidFill>
+              </a:rPr>
+              <a:t>observe</a:t>
+            </a:r>
+            <a:r>
+              <a:rPr lang="en-US" sz="2400" dirty="0">
+                <a:solidFill>
+                  <a:schemeClr val="tx1"/>
+                </a:solidFill>
+              </a:rPr>
+              <a:t> the </a:t>
+            </a:r>
+            <a:r>
+              <a:rPr lang="en-US" sz="2400" b="1" dirty="0">
+                <a:solidFill>
+                  <a:schemeClr val="tx1"/>
+                </a:solidFill>
+              </a:rPr>
+              <a:t>impact of </a:t>
+            </a:r>
+            <a:r>
+              <a:rPr lang="en-US" sz="2400" dirty="0">
+                <a:solidFill>
+                  <a:schemeClr val="tx1"/>
+                </a:solidFill>
+              </a:rPr>
+              <a:t>different </a:t>
+            </a:r>
+            <a:r>
+              <a:rPr lang="en-US" sz="2400" b="1" dirty="0">
+                <a:solidFill>
+                  <a:schemeClr val="tx1"/>
+                </a:solidFill>
+              </a:rPr>
+              <a:t>hyperparameters,</a:t>
+            </a:r>
+            <a:r>
+              <a:rPr lang="en-US" sz="2400" dirty="0">
+                <a:solidFill>
+                  <a:schemeClr val="tx1"/>
                 </a:solidFill>
               </a:rPr>
               <a:t> </a:t>
             </a:r>
             <a:r>
-              <a:rPr lang="de-DE" sz="3200" dirty="0" err="1">
-                <a:solidFill>
-                  <a:schemeClr val="tx1"/>
-                </a:solidFill>
-              </a:rPr>
-              <a:t>setup_simple.drawio</a:t>
-            </a:r>
-            <a:endParaRPr lang="de-DE" sz="4800" b="1" dirty="0">
-              <a:solidFill>
-                <a:schemeClr val="tx1"/>
-              </a:solidFill>
-            </a:endParaRPr>
+              <a:rPr lang="en-US" sz="2400" b="1" dirty="0">
+                <a:solidFill>
+                  <a:schemeClr val="tx1"/>
+                </a:solidFill>
+              </a:rPr>
+              <a:t>changes in the simulation &amp; non-linearity</a:t>
+            </a:r>
+            <a:r>
+              <a:rPr lang="en-US" sz="2400" dirty="0">
+                <a:solidFill>
+                  <a:schemeClr val="tx1"/>
+                </a:solidFill>
+              </a:rPr>
+              <a:t> </a:t>
+            </a:r>
+            <a:r>
+              <a:rPr lang="en-US" sz="2400" b="1" dirty="0">
+                <a:solidFill>
+                  <a:schemeClr val="tx1"/>
+                </a:solidFill>
+              </a:rPr>
+              <a:t>on</a:t>
+            </a:r>
+            <a:r>
+              <a:rPr lang="en-US" sz="2400" dirty="0">
+                <a:solidFill>
+                  <a:schemeClr val="tx1"/>
+                </a:solidFill>
+              </a:rPr>
+              <a:t> the </a:t>
+            </a:r>
+            <a:r>
+              <a:rPr lang="en-US" sz="2400" b="1" dirty="0">
+                <a:solidFill>
+                  <a:schemeClr val="tx1"/>
+                </a:solidFill>
+              </a:rPr>
+              <a:t>model performance</a:t>
+            </a:r>
+            <a:r>
+              <a:rPr lang="en-US" sz="2400" dirty="0">
+                <a:solidFill>
+                  <a:schemeClr val="tx1"/>
+                </a:solidFill>
+              </a:rPr>
+              <a:t>.</a:t>
+            </a:r>
           </a:p>
           <a:p>
             <a:pPr algn="l">
@@ -6673,116 +5848,20 @@
               </a:lnSpc>
             </a:pPr>
             <a:r>
-              <a:rPr lang="en-US" sz="3200" b="1" dirty="0">
-                <a:solidFill>
-                  <a:schemeClr val="tx1"/>
-                </a:solidFill>
-              </a:rPr>
-              <a:t>Find a suitable model </a:t>
-            </a:r>
-            <a:r>
-              <a:rPr lang="en-US" sz="3200" dirty="0">
-                <a:solidFill>
-                  <a:schemeClr val="tx1"/>
-                </a:solidFill>
-              </a:rPr>
-              <a:t>able to predict the required AWG input spectra given the desired AOM output spectra and </a:t>
-            </a:r>
-            <a:r>
-              <a:rPr lang="en-US" sz="3200" b="1" dirty="0">
-                <a:solidFill>
-                  <a:schemeClr val="tx1"/>
-                </a:solidFill>
-              </a:rPr>
-              <a:t>observe</a:t>
-            </a:r>
-            <a:r>
-              <a:rPr lang="en-US" sz="3200" dirty="0">
-                <a:solidFill>
-                  <a:schemeClr val="tx1"/>
-                </a:solidFill>
-              </a:rPr>
-              <a:t> the </a:t>
-            </a:r>
-            <a:r>
-              <a:rPr lang="en-US" sz="3200" b="1" dirty="0">
-                <a:solidFill>
-                  <a:schemeClr val="tx1"/>
-                </a:solidFill>
-              </a:rPr>
-              <a:t>impact of </a:t>
-            </a:r>
-            <a:r>
-              <a:rPr lang="en-US" sz="3200" dirty="0">
-                <a:solidFill>
-                  <a:schemeClr val="tx1"/>
-                </a:solidFill>
-              </a:rPr>
-              <a:t>different </a:t>
-            </a:r>
-            <a:r>
-              <a:rPr lang="en-US" sz="3200" b="1" dirty="0">
-                <a:solidFill>
-                  <a:schemeClr val="tx1"/>
-                </a:solidFill>
-              </a:rPr>
-              <a:t>hyperparameters,</a:t>
-            </a:r>
-            <a:r>
-              <a:rPr lang="en-US" sz="3200" dirty="0">
-                <a:solidFill>
-                  <a:schemeClr val="tx1"/>
-                </a:solidFill>
-              </a:rPr>
-              <a:t> </a:t>
-            </a:r>
-            <a:r>
-              <a:rPr lang="en-US" sz="3200" b="1" dirty="0">
-                <a:solidFill>
-                  <a:schemeClr val="tx1"/>
-                </a:solidFill>
-              </a:rPr>
-              <a:t>changes in the simulation &amp; non-linearity</a:t>
-            </a:r>
-            <a:r>
-              <a:rPr lang="en-US" sz="3200" dirty="0">
-                <a:solidFill>
-                  <a:schemeClr val="tx1"/>
-                </a:solidFill>
-              </a:rPr>
-              <a:t> </a:t>
-            </a:r>
-            <a:r>
-              <a:rPr lang="en-US" sz="3200" b="1" dirty="0">
-                <a:solidFill>
-                  <a:schemeClr val="tx1"/>
-                </a:solidFill>
-              </a:rPr>
-              <a:t>on</a:t>
-            </a:r>
-            <a:r>
-              <a:rPr lang="en-US" sz="3200" dirty="0">
-                <a:solidFill>
-                  <a:schemeClr val="tx1"/>
-                </a:solidFill>
-              </a:rPr>
-              <a:t> the </a:t>
-            </a:r>
-            <a:r>
-              <a:rPr lang="en-US" sz="3200" b="1" dirty="0">
-                <a:solidFill>
-                  <a:schemeClr val="tx1"/>
-                </a:solidFill>
-              </a:rPr>
-              <a:t>model performance</a:t>
-            </a:r>
-            <a:r>
-              <a:rPr lang="en-US" sz="3200" dirty="0">
-                <a:solidFill>
-                  <a:schemeClr val="tx1"/>
-                </a:solidFill>
-              </a:rPr>
-              <a:t>.</a:t>
+              <a:rPr lang="de-DE" sz="3200" b="1" dirty="0">
+                <a:solidFill>
+                  <a:srgbClr val="19406B"/>
+                </a:solidFill>
+              </a:rPr>
+              <a:t>Data Processing </a:t>
+            </a:r>
+            <a:r>
+              <a:rPr lang="de-DE" sz="1200" dirty="0">
+                <a:solidFill>
+                  <a:schemeClr val="tx1"/>
+                </a:solidFill>
+              </a:rPr>
+              <a:t>[Image 3]</a:t>
             </a:r>
           </a:p>
           <a:p>
@@ -6792,12 +5871,76 @@
               </a:lnSpc>
             </a:pPr>
             <a:r>
-              <a:rPr lang="en-US" sz="3200" dirty="0">
-                <a:solidFill>
-                  <a:schemeClr val="tx1"/>
-                </a:solidFill>
-              </a:rPr>
-              <a:t>Using both the simulated AOM output spectra as input and the sampled AWG input spectra as desired output, we train the model.</a:t>
+              <a:rPr lang="en-US" sz="2400" dirty="0">
+                <a:solidFill>
+                  <a:schemeClr val="tx1"/>
+                </a:solidFill>
+              </a:rPr>
+              <a:t>Each </a:t>
+            </a:r>
+            <a:r>
+              <a:rPr lang="en-US" sz="2400" b="1" dirty="0">
+                <a:solidFill>
+                  <a:schemeClr val="tx1"/>
+                </a:solidFill>
+              </a:rPr>
+              <a:t>AWG input spectrum</a:t>
+            </a:r>
+            <a:r>
+              <a:rPr lang="en-US" sz="2400" dirty="0">
+                <a:solidFill>
+                  <a:schemeClr val="tx1"/>
+                </a:solidFill>
+              </a:rPr>
+              <a:t> has </a:t>
+            </a:r>
+            <a:r>
+              <a:rPr lang="en-US" sz="2400" b="1" dirty="0">
+                <a:solidFill>
+                  <a:schemeClr val="tx1"/>
+                </a:solidFill>
+              </a:rPr>
+              <a:t>11 real valued &amp;</a:t>
+            </a:r>
+            <a:r>
+              <a:rPr lang="en-US" sz="2400" dirty="0">
+                <a:solidFill>
+                  <a:schemeClr val="tx1"/>
+                </a:solidFill>
+              </a:rPr>
+              <a:t> </a:t>
+            </a:r>
+            <a:r>
+              <a:rPr lang="en-US" sz="2400" b="1" dirty="0">
+                <a:solidFill>
+                  <a:schemeClr val="tx1"/>
+                </a:solidFill>
+              </a:rPr>
+              <a:t>11 complex valued frequencies</a:t>
+            </a:r>
+            <a:r>
+              <a:rPr lang="en-US" sz="2400" dirty="0">
+                <a:solidFill>
+                  <a:schemeClr val="tx1"/>
+                </a:solidFill>
+              </a:rPr>
+              <a:t> ranging from 95 to 105 </a:t>
+            </a:r>
+            <a:r>
+              <a:rPr lang="en-US" sz="2400" dirty="0" err="1">
+                <a:solidFill>
+                  <a:schemeClr val="tx1"/>
+                </a:solidFill>
+              </a:rPr>
+              <a:t>mHz.</a:t>
+            </a:r>
+            <a:r>
+              <a:rPr lang="en-US" sz="2400" dirty="0">
+                <a:solidFill>
+                  <a:schemeClr val="tx1"/>
+                </a:solidFill>
+              </a:rPr>
+              <a:t> </a:t>
             </a:r>
           </a:p>
           <a:p>
@@ -6807,160 +5950,61 @@
               </a:lnSpc>
             </a:pPr>
             <a:r>
-              <a:rPr lang="de-DE" sz="4800" b="1" dirty="0">
-                <a:solidFill>
-                  <a:srgbClr val="19406B"/>
-                </a:solidFill>
-              </a:rPr>
-              <a:t>Data Processing </a:t>
-            </a:r>
-            <a:r>
-              <a:rPr lang="de-DE" sz="3200" dirty="0">
-                <a:solidFill>
-                  <a:schemeClr val="tx1"/>
-                </a:solidFill>
-              </a:rPr>
-              <a:t>*</a:t>
-            </a:r>
-            <a:r>
-              <a:rPr lang="de-DE" sz="3200" dirty="0" err="1">
-                <a:solidFill>
-                  <a:schemeClr val="tx1"/>
-                </a:solidFill>
-              </a:rPr>
-              <a:t>could</a:t>
-            </a:r>
-            <a:r>
-              <a:rPr lang="de-DE" sz="3200" dirty="0">
+              <a:rPr lang="en-US" sz="2400" dirty="0">
+                <a:solidFill>
+                  <a:schemeClr val="tx1"/>
+                </a:solidFill>
+              </a:rPr>
+              <a:t>Similar, each </a:t>
+            </a:r>
+            <a:r>
+              <a:rPr lang="en-US" sz="2400" b="1" dirty="0">
+                <a:solidFill>
+                  <a:schemeClr val="tx1"/>
+                </a:solidFill>
+              </a:rPr>
+              <a:t>AOM output spectrum </a:t>
+            </a:r>
+            <a:r>
+              <a:rPr lang="en-US" sz="2400" dirty="0">
+                <a:solidFill>
+                  <a:schemeClr val="tx1"/>
+                </a:solidFill>
+              </a:rPr>
+              <a:t>has </a:t>
+            </a:r>
+            <a:r>
+              <a:rPr lang="en-US" sz="2400" b="1" dirty="0">
+                <a:solidFill>
+                  <a:schemeClr val="tx1"/>
+                </a:solidFill>
+              </a:rPr>
+              <a:t>101 real valued &amp; 101 complex valued frequencies</a:t>
+            </a:r>
+            <a:r>
+              <a:rPr lang="en-US" sz="2400" dirty="0">
+                <a:solidFill>
+                  <a:schemeClr val="tx1"/>
+                </a:solidFill>
+              </a:rPr>
+              <a:t> ranging from 50 to 150 </a:t>
+            </a:r>
+            <a:r>
+              <a:rPr lang="en-US" sz="2400" dirty="0" err="1">
+                <a:solidFill>
+                  <a:schemeClr val="tx1"/>
+                </a:solidFill>
+              </a:rPr>
+              <a:t>mHz.</a:t>
+            </a:r>
+            <a:r>
+              <a:rPr lang="en-US" sz="2400" dirty="0">
                 <a:solidFill>
                   <a:schemeClr val="tx1"/>
                 </a:solidFill>
               </a:rPr>
               <a:t> </a:t>
             </a:r>
-            <a:r>
-              <a:rPr lang="de-DE" sz="3200" dirty="0" err="1">
-                <a:solidFill>
-                  <a:schemeClr val="tx1"/>
-                </a:solidFill>
-              </a:rPr>
-              <a:t>be</a:t>
-            </a:r>
-            <a:r>
-              <a:rPr lang="de-DE" sz="3200" dirty="0">
-                <a:solidFill>
-                  <a:schemeClr val="tx1"/>
-                </a:solidFill>
-              </a:rPr>
-              <a:t> </a:t>
-            </a:r>
-            <a:r>
-              <a:rPr lang="de-DE" sz="3200" dirty="0" err="1">
-                <a:solidFill>
-                  <a:schemeClr val="tx1"/>
-                </a:solidFill>
-              </a:rPr>
-              <a:t>removed</a:t>
-            </a:r>
-            <a:r>
-              <a:rPr lang="de-DE" sz="3200" dirty="0">
-                <a:solidFill>
-                  <a:schemeClr val="tx1"/>
-                </a:solidFill>
-              </a:rPr>
-              <a:t>*</a:t>
-            </a:r>
-            <a:endParaRPr lang="de-DE" sz="4800" b="1" dirty="0">
-              <a:solidFill>
-                <a:srgbClr val="19406B"/>
-              </a:solidFill>
-            </a:endParaRPr>
-          </a:p>
-          <a:p>
-            <a:pPr marL="457200" indent="-457200" algn="l">
-              <a:lnSpc>
-                <a:spcPct val="150000"/>
-              </a:lnSpc>
-              <a:buFont typeface="Symbol" panose="05050102010706020507" pitchFamily="18" charset="2"/>
-              <a:buChar char="-"/>
-            </a:pPr>
-            <a:r>
-              <a:rPr lang="de-DE" sz="3200" dirty="0">
-                <a:solidFill>
-                  <a:schemeClr val="tx1"/>
-                </a:solidFill>
-              </a:rPr>
-              <a:t>*</a:t>
-            </a:r>
-            <a:r>
-              <a:rPr lang="de-DE" sz="3200" dirty="0" err="1">
-                <a:solidFill>
-                  <a:schemeClr val="tx1"/>
-                </a:solidFill>
-              </a:rPr>
-              <a:t>whatever</a:t>
-            </a:r>
-            <a:r>
-              <a:rPr lang="de-DE" sz="3200" dirty="0">
-                <a:solidFill>
-                  <a:schemeClr val="tx1"/>
-                </a:solidFill>
-              </a:rPr>
-              <a:t> </a:t>
-            </a:r>
-            <a:r>
-              <a:rPr lang="de-DE" sz="3200" dirty="0" err="1">
-                <a:solidFill>
-                  <a:schemeClr val="tx1"/>
-                </a:solidFill>
-              </a:rPr>
-              <a:t>is</a:t>
-            </a:r>
-            <a:r>
-              <a:rPr lang="de-DE" sz="3200" dirty="0">
-                <a:solidFill>
-                  <a:schemeClr val="tx1"/>
-                </a:solidFill>
-              </a:rPr>
-              <a:t> </a:t>
-            </a:r>
-            <a:r>
-              <a:rPr lang="de-DE" sz="3200" dirty="0" err="1">
-                <a:solidFill>
-                  <a:schemeClr val="tx1"/>
-                </a:solidFill>
-              </a:rPr>
-              <a:t>listed</a:t>
-            </a:r>
-            <a:r>
-              <a:rPr lang="de-DE" sz="3200" dirty="0">
-                <a:solidFill>
-                  <a:schemeClr val="tx1"/>
-                </a:solidFill>
-              </a:rPr>
-              <a:t> </a:t>
-            </a:r>
-            <a:r>
-              <a:rPr lang="de-DE" sz="3200" dirty="0" err="1">
-                <a:solidFill>
-                  <a:schemeClr val="tx1"/>
-                </a:solidFill>
-              </a:rPr>
-              <a:t>under</a:t>
-            </a:r>
-            <a:r>
-              <a:rPr lang="de-DE" sz="3200" dirty="0">
-                <a:solidFill>
-                  <a:schemeClr val="tx1"/>
-                </a:solidFill>
-              </a:rPr>
-              <a:t> (2)*</a:t>
-            </a:r>
-            <a:endParaRPr lang="en-US" sz="3200" dirty="0">
-              <a:solidFill>
-                <a:schemeClr val="tx1"/>
-              </a:solidFill>
-            </a:endParaRPr>
           </a:p>
           <a:p>
             <a:pPr algn="l">
@@ -6969,98 +6013,45 @@
               </a:lnSpc>
             </a:pPr>
             <a:r>
-              <a:rPr lang="de-DE" sz="4800" b="1" dirty="0">
-                <a:solidFill>
-                  <a:srgbClr val="19406B"/>
-                </a:solidFill>
-              </a:rPr>
-              <a:t>Model Architecture </a:t>
-            </a:r>
-            <a:r>
-              <a:rPr lang="de-DE" sz="3200" dirty="0">
-                <a:solidFill>
-                  <a:schemeClr val="tx1"/>
-                </a:solidFill>
-              </a:rPr>
-              <a:t>*pls </a:t>
-            </a:r>
-            <a:r>
-              <a:rPr lang="de-DE" sz="3200" dirty="0" err="1">
-                <a:solidFill>
-                  <a:schemeClr val="tx1"/>
-                </a:solidFill>
-              </a:rPr>
-              <a:t>reformulate</a:t>
-            </a:r>
-            <a:r>
-              <a:rPr lang="de-DE" sz="3200" dirty="0">
-                <a:solidFill>
-                  <a:schemeClr val="tx1"/>
-                </a:solidFill>
-              </a:rPr>
-              <a:t>*</a:t>
-            </a:r>
-            <a:endParaRPr lang="de-DE" sz="4800" b="1" dirty="0">
-              <a:solidFill>
-                <a:srgbClr val="19406B"/>
-              </a:solidFill>
-            </a:endParaRPr>
-          </a:p>
-          <a:p>
-            <a:pPr marL="457200" indent="-457200" algn="l">
-              <a:lnSpc>
-                <a:spcPct val="150000"/>
-              </a:lnSpc>
-              <a:buFont typeface="Symbol" panose="05050102010706020507" pitchFamily="18" charset="2"/>
-              <a:buChar char="-"/>
-            </a:pPr>
-            <a:r>
-              <a:rPr lang="en-US" sz="3200" dirty="0">
-                <a:solidFill>
-                  <a:schemeClr val="tx1"/>
-                </a:solidFill>
-              </a:rPr>
-              <a:t>Brief summary or diagram (e.g., MLP, CNN, etc.)</a:t>
-            </a:r>
-          </a:p>
-          <a:p>
-            <a:pPr marL="457200" indent="-457200" algn="l">
-              <a:lnSpc>
-                <a:spcPct val="150000"/>
-              </a:lnSpc>
-              <a:buFont typeface="Symbol" panose="05050102010706020507" pitchFamily="18" charset="2"/>
-              <a:buChar char="-"/>
-            </a:pPr>
-            <a:r>
-              <a:rPr lang="en-US" sz="3200" dirty="0">
-                <a:solidFill>
-                  <a:schemeClr val="tx1"/>
-                </a:solidFill>
-              </a:rPr>
-              <a:t>What makes the model suitable for nonlinear mappings?</a:t>
-            </a:r>
-          </a:p>
-          <a:p>
-            <a:pPr marL="457200" indent="-457200" algn="l">
-              <a:lnSpc>
-                <a:spcPct val="150000"/>
-              </a:lnSpc>
-              <a:buFont typeface="Symbol" panose="05050102010706020507" pitchFamily="18" charset="2"/>
-              <a:buChar char="-"/>
-            </a:pPr>
-            <a:r>
-              <a:rPr lang="en-US" sz="3200" dirty="0">
-                <a:solidFill>
-                  <a:schemeClr val="tx1"/>
-                </a:solidFill>
-              </a:rPr>
-              <a:t>Performance metrics or comparison between models.</a:t>
-            </a:r>
-            <a:endParaRPr lang="de-DE" sz="4800" b="1" dirty="0">
-              <a:solidFill>
-                <a:srgbClr val="19406B"/>
-              </a:solidFill>
-            </a:endParaRPr>
+              <a:rPr lang="en-US" sz="2400" dirty="0">
+                <a:solidFill>
+                  <a:schemeClr val="tx1"/>
+                </a:solidFill>
+              </a:rPr>
+              <a:t>The </a:t>
+            </a:r>
+            <a:r>
+              <a:rPr lang="en-US" sz="2400" b="1" dirty="0">
+                <a:solidFill>
+                  <a:schemeClr val="tx1"/>
+                </a:solidFill>
+              </a:rPr>
+              <a:t>training data </a:t>
+            </a:r>
+            <a:r>
+              <a:rPr lang="en-US" sz="2400" dirty="0">
+                <a:solidFill>
+                  <a:schemeClr val="tx1"/>
+                </a:solidFill>
+              </a:rPr>
+              <a:t>is generated </a:t>
+            </a:r>
+            <a:r>
+              <a:rPr lang="en-US" sz="2400" b="1" dirty="0">
+                <a:solidFill>
+                  <a:schemeClr val="tx1"/>
+                </a:solidFill>
+              </a:rPr>
+              <a:t>without noise and missing values</a:t>
+            </a:r>
+            <a:r>
+              <a:rPr lang="en-US" sz="2400" dirty="0">
+                <a:solidFill>
+                  <a:schemeClr val="tx1"/>
+                </a:solidFill>
+              </a:rPr>
+              <a:t>.</a:t>
+            </a:r>
           </a:p>
           <a:p>
             <a:pPr algn="l">
@@ -7069,11 +6060,308 @@
               </a:lnSpc>
             </a:pPr>
             <a:r>
-              <a:rPr lang="de-DE" sz="4800" b="1" dirty="0" err="1">
+              <a:rPr lang="en-US" sz="2400" dirty="0">
+                <a:solidFill>
+                  <a:schemeClr val="tx1"/>
+                </a:solidFill>
+              </a:rPr>
+              <a:t>For this we </a:t>
+            </a:r>
+            <a:r>
+              <a:rPr lang="en-US" sz="2400" b="1" dirty="0">
+                <a:solidFill>
+                  <a:schemeClr val="tx1"/>
+                </a:solidFill>
+              </a:rPr>
+              <a:t>sample</a:t>
+            </a:r>
+            <a:r>
+              <a:rPr lang="en-US" sz="2400" dirty="0">
+                <a:solidFill>
+                  <a:schemeClr val="tx1"/>
+                </a:solidFill>
+              </a:rPr>
+              <a:t> the potential</a:t>
+            </a:r>
+            <a:r>
+              <a:rPr lang="en-US" sz="2400" b="1" dirty="0">
+                <a:solidFill>
+                  <a:schemeClr val="tx1"/>
+                </a:solidFill>
+              </a:rPr>
+              <a:t> AWG input </a:t>
+            </a:r>
+            <a:r>
+              <a:rPr lang="en-US" sz="2400" dirty="0">
+                <a:solidFill>
+                  <a:schemeClr val="tx1"/>
+                </a:solidFill>
+              </a:rPr>
+              <a:t>spectra</a:t>
+            </a:r>
+            <a:r>
+              <a:rPr lang="en-US" sz="2400" b="1" dirty="0">
+                <a:solidFill>
+                  <a:schemeClr val="tx1"/>
+                </a:solidFill>
+              </a:rPr>
+              <a:t> </a:t>
+            </a:r>
+            <a:r>
+              <a:rPr lang="en-US" sz="2400" dirty="0">
+                <a:solidFill>
+                  <a:schemeClr val="tx1"/>
+                </a:solidFill>
+              </a:rPr>
+              <a:t>by </a:t>
+            </a:r>
+            <a:r>
+              <a:rPr lang="en-US" sz="2400" b="1" dirty="0">
+                <a:solidFill>
+                  <a:schemeClr val="tx1"/>
+                </a:solidFill>
+              </a:rPr>
+              <a:t>randomly selecting points</a:t>
+            </a:r>
+            <a:r>
+              <a:rPr lang="en-US" sz="2400" dirty="0">
+                <a:solidFill>
+                  <a:schemeClr val="tx1"/>
+                </a:solidFill>
+              </a:rPr>
+              <a:t> on the </a:t>
+            </a:r>
+            <a:r>
+              <a:rPr lang="en-US" sz="2400" b="1" dirty="0">
+                <a:solidFill>
+                  <a:schemeClr val="tx1"/>
+                </a:solidFill>
+              </a:rPr>
+              <a:t>surface </a:t>
+            </a:r>
+            <a:r>
+              <a:rPr lang="en-US" sz="2400" dirty="0">
+                <a:solidFill>
+                  <a:schemeClr val="tx1"/>
+                </a:solidFill>
+              </a:rPr>
+              <a:t>of a</a:t>
+            </a:r>
+            <a:r>
+              <a:rPr lang="en-US" sz="2400" b="1" dirty="0">
+                <a:solidFill>
+                  <a:schemeClr val="tx1"/>
+                </a:solidFill>
+              </a:rPr>
+              <a:t> 22-dimensional sphere</a:t>
+            </a:r>
+            <a:r>
+              <a:rPr lang="en-US" sz="2400" dirty="0">
+                <a:solidFill>
+                  <a:schemeClr val="tx1"/>
+                </a:solidFill>
+              </a:rPr>
+              <a:t>, ensuring</a:t>
+            </a:r>
+            <a:r>
+              <a:rPr lang="en-US" sz="2400" b="1" dirty="0">
+                <a:solidFill>
+                  <a:schemeClr val="tx1"/>
+                </a:solidFill>
+              </a:rPr>
+              <a:t> </a:t>
+            </a:r>
+            <a:r>
+              <a:rPr lang="en-US" sz="2400" dirty="0">
+                <a:solidFill>
+                  <a:schemeClr val="tx1"/>
+                </a:solidFill>
+              </a:rPr>
+              <a:t>that the </a:t>
+            </a:r>
+            <a:r>
+              <a:rPr lang="en-US" sz="2400" b="1" dirty="0">
+                <a:solidFill>
+                  <a:schemeClr val="tx1"/>
+                </a:solidFill>
+              </a:rPr>
+              <a:t>norm</a:t>
+            </a:r>
+            <a:r>
+              <a:rPr lang="en-US" sz="2400" dirty="0">
+                <a:solidFill>
+                  <a:schemeClr val="tx1"/>
+                </a:solidFill>
+              </a:rPr>
+              <a:t> is </a:t>
+            </a:r>
+            <a:r>
+              <a:rPr lang="en-US" sz="2400" b="1" dirty="0">
+                <a:solidFill>
+                  <a:schemeClr val="tx1"/>
+                </a:solidFill>
+              </a:rPr>
+              <a:t>constant</a:t>
+            </a:r>
+            <a:r>
+              <a:rPr lang="en-US" sz="2400" dirty="0">
+                <a:solidFill>
+                  <a:schemeClr val="tx1"/>
+                </a:solidFill>
+              </a:rPr>
+              <a:t>.</a:t>
+            </a:r>
+          </a:p>
+          <a:p>
+            <a:pPr algn="l">
+              <a:lnSpc>
+                <a:spcPct val="150000"/>
+              </a:lnSpc>
+            </a:pPr>
+            <a:r>
+              <a:rPr lang="en-US" sz="2400" dirty="0">
+                <a:solidFill>
+                  <a:schemeClr val="tx1"/>
+                </a:solidFill>
+              </a:rPr>
+              <a:t>The </a:t>
+            </a:r>
+            <a:r>
+              <a:rPr lang="en-US" sz="2400" b="1" dirty="0">
+                <a:solidFill>
+                  <a:schemeClr val="tx1"/>
+                </a:solidFill>
+              </a:rPr>
+              <a:t>AOM output </a:t>
+            </a:r>
+            <a:r>
+              <a:rPr lang="en-US" sz="2400" dirty="0">
+                <a:solidFill>
+                  <a:schemeClr val="tx1"/>
+                </a:solidFill>
+              </a:rPr>
+              <a:t>is obtained</a:t>
+            </a:r>
+            <a:r>
+              <a:rPr lang="en-US" sz="2400" b="1" dirty="0">
+                <a:solidFill>
+                  <a:schemeClr val="tx1"/>
+                </a:solidFill>
+              </a:rPr>
+              <a:t> </a:t>
+            </a:r>
+            <a:r>
+              <a:rPr lang="en-US" sz="2400" dirty="0">
+                <a:solidFill>
+                  <a:schemeClr val="tx1"/>
+                </a:solidFill>
+              </a:rPr>
+              <a:t>by</a:t>
+            </a:r>
+            <a:r>
+              <a:rPr lang="en-US" sz="2400" b="1" dirty="0">
+                <a:solidFill>
+                  <a:schemeClr val="tx1"/>
+                </a:solidFill>
+              </a:rPr>
+              <a:t> simulating the AOM </a:t>
+            </a:r>
+            <a:r>
+              <a:rPr lang="en-US" sz="2400" dirty="0">
+                <a:solidFill>
+                  <a:schemeClr val="tx1"/>
+                </a:solidFill>
+              </a:rPr>
+              <a:t>using a provided </a:t>
+            </a:r>
+            <a:r>
+              <a:rPr lang="en-US" sz="2400" b="1" dirty="0">
+                <a:solidFill>
+                  <a:schemeClr val="tx1"/>
+                </a:solidFill>
+              </a:rPr>
+              <a:t>mathematical model </a:t>
+            </a:r>
+            <a:r>
+              <a:rPr lang="en-US" sz="2400" dirty="0">
+                <a:solidFill>
+                  <a:schemeClr val="tx1"/>
+                </a:solidFill>
+              </a:rPr>
+              <a:t>which is </a:t>
+            </a:r>
+            <a:r>
+              <a:rPr lang="en-US" sz="2400" b="1" dirty="0">
+                <a:solidFill>
+                  <a:schemeClr val="tx1"/>
+                </a:solidFill>
+              </a:rPr>
+              <a:t>similar </a:t>
+            </a:r>
+            <a:r>
+              <a:rPr lang="en-US" sz="2400" dirty="0">
+                <a:solidFill>
+                  <a:schemeClr val="tx1"/>
+                </a:solidFill>
+              </a:rPr>
+              <a:t>in</a:t>
+            </a:r>
+            <a:r>
+              <a:rPr lang="en-US" sz="2400" b="1" dirty="0">
+                <a:solidFill>
+                  <a:schemeClr val="tx1"/>
+                </a:solidFill>
+              </a:rPr>
+              <a:t> complexity.</a:t>
+            </a:r>
+          </a:p>
+          <a:p>
+            <a:pPr algn="l">
+              <a:lnSpc>
+                <a:spcPct val="150000"/>
+              </a:lnSpc>
+            </a:pPr>
+            <a:r>
+              <a:rPr lang="en-US" sz="2400" dirty="0">
+                <a:solidFill>
+                  <a:schemeClr val="tx1"/>
+                </a:solidFill>
+              </a:rPr>
+              <a:t>Using both the simulated AOM output spectra as input and the sampled AWG input spectra as desired output, we train the model.</a:t>
+            </a:r>
+          </a:p>
+          <a:p>
+            <a:pPr algn="l">
+              <a:lnSpc>
+                <a:spcPct val="150000"/>
+              </a:lnSpc>
+            </a:pPr>
+            <a:r>
+              <a:rPr lang="de-DE" sz="3200" b="1" dirty="0">
                 <a:solidFill>
                   <a:srgbClr val="19406B"/>
                 </a:solidFill>
               </a:rPr>
+              <a:t>Model Architecture</a:t>
+            </a:r>
+            <a:endParaRPr lang="de-DE" sz="2400" b="1" dirty="0">
+              <a:solidFill>
+                <a:srgbClr val="19406B"/>
+              </a:solidFill>
+            </a:endParaRPr>
+          </a:p>
+          <a:p>
+            <a:pPr algn="l">
+              <a:lnSpc>
+                <a:spcPct val="150000"/>
+              </a:lnSpc>
+            </a:pPr>
+            <a:r>
+              <a:rPr lang="de-DE" sz="3200" b="1" dirty="0" err="1">
+                <a:solidFill>
+                  <a:srgbClr val="19406B"/>
+                </a:solidFill>
+              </a:rPr>
               <a:t>Results</a:t>
             </a:r>
             <a:r>
@@ -7085,7 +6373,7 @@
               <a:t> </a:t>
             </a:r>
             <a:r>
-              <a:rPr lang="de-DE" sz="3200" dirty="0">
+              <a:rPr lang="de-DE" sz="2400" dirty="0">
                 <a:solidFill>
                   <a:schemeClr val="tx1"/>
                 </a:solidFill>
@@ -7093,7 +6381,7 @@
               <a:t>*pls </a:t>
             </a:r>
             <a:r>
-              <a:rPr lang="de-DE" sz="3200" dirty="0" err="1">
+              <a:rPr lang="de-DE" sz="2400" dirty="0" err="1">
                 <a:solidFill>
                   <a:schemeClr val="tx1"/>
                 </a:solidFill>
@@ -7101,14 +6389,14 @@
               <a:t>reformulate</a:t>
             </a:r>
             <a:r>
-              <a:rPr lang="de-DE" sz="3200" dirty="0">
+              <a:rPr lang="de-DE" sz="2400" dirty="0">
                 <a:solidFill>
                   <a:schemeClr val="tx1"/>
                 </a:solidFill>
               </a:rPr>
               <a:t>*</a:t>
             </a:r>
-            <a:endParaRPr lang="de-DE" sz="4800" b="1" dirty="0">
+            <a:endParaRPr lang="de-DE" sz="2400" b="1" dirty="0">
               <a:solidFill>
                 <a:srgbClr val="19406B"/>
               </a:solidFill>
@@ -7123,7 +6411,7 @@
               <a:buChar char="-"/>
             </a:pPr>
             <a:r>
-              <a:rPr lang="en-US" sz="3200" dirty="0">
+              <a:rPr lang="en-US" sz="2400" dirty="0">
                 <a:solidFill>
                   <a:schemeClr val="tx1"/>
                 </a:solidFill>
@@ -7140,7 +6428,7 @@
               <a:buChar char="-"/>
             </a:pPr>
             <a:r>
-              <a:rPr lang="en-US" sz="3200" dirty="0">
+              <a:rPr lang="en-US" sz="2400" dirty="0">
                 <a:solidFill>
                   <a:schemeClr val="tx1"/>
                 </a:solidFill>
@@ -7157,12 +6445,20 @@
               <a:buChar char="-"/>
             </a:pPr>
             <a:r>
+              <a:rPr lang="en-US" sz="2400" dirty="0">
+                <a:solidFill>
+                  <a:schemeClr val="tx1"/>
+                </a:solidFill>
+              </a:rPr>
+              <a:t>Error metrics, learning curve, etc.</a:t>
+            </a:r>
+            <a:r>
               <a:rPr lang="en-US" sz="3200" dirty="0">
                 <a:solidFill>
                   <a:schemeClr val="tx1"/>
                 </a:solidFill>
               </a:rPr>
-              <a:t>Error metrics, learning curve, etc.		</a:t>
+              <a:t>		</a:t>
             </a:r>
           </a:p>
           <a:p>
@@ -7178,41 +6474,6 @@
                 </a:solidFill>
               </a:rPr>
               <a:t>		</a:t>
-            </a:r>
-          </a:p>
-        </p:txBody>
-      </p:sp>
-      <p:sp>
-        <p:nvSpPr>
-          <p:cNvPr id="11" name="Textfeld 10">
-            <a:extLst>
-              <a:ext uri="{FF2B5EF4-FFF2-40B4-BE49-F238E27FC236}">
-                <a16:creationId xmlns:a16="http://schemas.microsoft.com/office/drawing/2014/main" id="{9424734E-26FD-4012-FABC-8231E248C1C7}"/>
-              </a:ext>
-            </a:extLst>
-          </p:cNvPr>
-          <p:cNvSpPr txBox="1"/>
-          <p:nvPr/>
-        </p:nvSpPr>
-        <p:spPr>
-          <a:xfrm>
-            <a:off x="12925530" y="21920328"/>
-            <a:ext cx="792088" cy="369332"/>
-          </a:xfrm>
-          <a:prstGeom prst="rect">
-            <a:avLst/>
-          </a:prstGeom>
-          <a:noFill/>
-        </p:spPr>
-        <p:txBody>
-          <a:bodyPr wrap="square" rtlCol="0">
-            <a:spAutoFit/>
-          </a:bodyPr>
-          <a:lstStyle/>
-          <a:p>
-            <a:r>
-              <a:rPr lang="de-DE" dirty="0"/>
-              <a:t>(1)</a:t>
             </a:r>
           </a:p>
         </p:txBody>
@@ -7245,7 +6506,7 @@
         </p:blipFill>
         <p:spPr>
           <a:xfrm>
-            <a:off x="2176140" y="18771555"/>
+            <a:off x="2133600" y="15824880"/>
             <a:ext cx="12138660" cy="6172200"/>
           </a:xfrm>
           <a:prstGeom prst="rect">
@@ -7267,8 +6528,8 @@
         </p:nvSpPr>
         <p:spPr>
           <a:xfrm>
-            <a:off x="2142238" y="17663560"/>
-            <a:ext cx="5964886" cy="1107996"/>
+            <a:off x="2033061" y="15402125"/>
+            <a:ext cx="6119769" cy="584775"/>
           </a:xfrm>
           <a:prstGeom prst="rect">
             <a:avLst/>
@@ -7282,18 +6543,25 @@
           <a:lstStyle/>
           <a:p>
             <a:r>
-              <a:rPr lang="de-DE" sz="4800" b="1" dirty="0">
+              <a:rPr lang="de-DE" sz="3200" b="1" dirty="0" err="1">
                 <a:solidFill>
                   <a:srgbClr val="19406B"/>
                 </a:solidFill>
                 <a:latin typeface="Segoe UI" panose="020B0502040204020203" pitchFamily="34" charset="0"/>
                 <a:cs typeface="Segoe UI" panose="020B0502040204020203" pitchFamily="34" charset="0"/>
               </a:rPr>
-              <a:t>Experimental Setup</a:t>
-            </a:r>
-          </a:p>
-          <a:p>
-            <a:endParaRPr lang="de-DE" dirty="0"/>
+              <a:t>Simplified</a:t>
+            </a:r>
+            <a:r>
+              <a:rPr lang="de-DE" sz="3200" b="1" dirty="0">
+                <a:solidFill>
+                  <a:srgbClr val="19406B"/>
+                </a:solidFill>
+                <a:latin typeface="Segoe UI" panose="020B0502040204020203" pitchFamily="34" charset="0"/>
+                <a:cs typeface="Segoe UI" panose="020B0502040204020203" pitchFamily="34" charset="0"/>
+              </a:rPr>
+              <a:t> Experimental Setup</a:t>
+            </a:r>
           </a:p>
         </p:txBody>
       </p:sp>
@@ -7325,8 +6593,8 @@
         </p:blipFill>
         <p:spPr>
           <a:xfrm>
-            <a:off x="2570475" y="27567107"/>
-            <a:ext cx="11349990" cy="4303395"/>
+            <a:off x="2133600" y="23326699"/>
+            <a:ext cx="12138660" cy="4602422"/>
           </a:xfrm>
           <a:prstGeom prst="rect">
             <a:avLst/>
@@ -7347,7 +6615,7 @@
         </p:nvSpPr>
         <p:spPr>
           <a:xfrm>
-            <a:off x="5272510" y="36248029"/>
+            <a:off x="18739589" y="35563725"/>
             <a:ext cx="6264696" cy="1569660"/>
           </a:xfrm>
           <a:prstGeom prst="rect">
@@ -7382,8 +6650,8 @@
         </p:nvSpPr>
         <p:spPr>
           <a:xfrm>
-            <a:off x="2133600" y="26074394"/>
-            <a:ext cx="15192102" cy="830997"/>
+            <a:off x="2032869" y="22232224"/>
+            <a:ext cx="6624017" cy="584775"/>
           </a:xfrm>
           <a:prstGeom prst="rect">
             <a:avLst/>
@@ -7397,22 +6665,366 @@
           <a:lstStyle/>
           <a:p>
             <a:r>
-              <a:rPr lang="de-DE" sz="4800" b="1" dirty="0">
+              <a:rPr lang="de-DE" sz="3200" b="1" dirty="0" err="1">
                 <a:solidFill>
                   <a:srgbClr val="19406B"/>
                 </a:solidFill>
                 <a:latin typeface="Segoe UI" panose="020B0502040204020203" pitchFamily="34" charset="0"/>
                 <a:cs typeface="Segoe UI" panose="020B0502040204020203" pitchFamily="34" charset="0"/>
               </a:rPr>
-              <a:t>Data Processing </a:t>
-            </a:r>
-            <a:endParaRPr lang="de-DE" sz="4800" dirty="0">
+              <a:t>Visualisation</a:t>
+            </a:r>
+            <a:r>
+              <a:rPr lang="de-DE" sz="3200" b="1" dirty="0">
+                <a:solidFill>
+                  <a:srgbClr val="19406B"/>
+                </a:solidFill>
+                <a:latin typeface="Segoe UI" panose="020B0502040204020203" pitchFamily="34" charset="0"/>
+                <a:cs typeface="Segoe UI" panose="020B0502040204020203" pitchFamily="34" charset="0"/>
+              </a:rPr>
+              <a:t> </a:t>
+            </a:r>
+            <a:r>
+              <a:rPr lang="de-DE" sz="3200" b="1" dirty="0" err="1">
+                <a:solidFill>
+                  <a:srgbClr val="19406B"/>
+                </a:solidFill>
+                <a:latin typeface="Segoe UI" panose="020B0502040204020203" pitchFamily="34" charset="0"/>
+                <a:cs typeface="Segoe UI" panose="020B0502040204020203" pitchFamily="34" charset="0"/>
+              </a:rPr>
+              <a:t>of</a:t>
+            </a:r>
+            <a:r>
+              <a:rPr lang="de-DE" sz="3200" b="1" dirty="0">
+                <a:solidFill>
+                  <a:srgbClr val="19406B"/>
+                </a:solidFill>
+                <a:latin typeface="Segoe UI" panose="020B0502040204020203" pitchFamily="34" charset="0"/>
+                <a:cs typeface="Segoe UI" panose="020B0502040204020203" pitchFamily="34" charset="0"/>
+              </a:rPr>
+              <a:t> Data Processing </a:t>
+            </a:r>
+            <a:endParaRPr lang="de-DE" sz="3200" dirty="0">
               <a:solidFill>
                 <a:srgbClr val="19406B"/>
               </a:solidFill>
               <a:latin typeface="Segoe UI" panose="020B0502040204020203" pitchFamily="34" charset="0"/>
               <a:cs typeface="Segoe UI" panose="020B0502040204020203" pitchFamily="34" charset="0"/>
             </a:endParaRPr>
+          </a:p>
+        </p:txBody>
+      </p:sp>
+      <p:sp>
+        <p:nvSpPr>
+          <p:cNvPr id="3" name="Rectangle 2">
+            <a:extLst>
+              <a:ext uri="{FF2B5EF4-FFF2-40B4-BE49-F238E27FC236}">
+                <a16:creationId xmlns:a16="http://schemas.microsoft.com/office/drawing/2014/main" id="{C8DAC160-009D-A93C-D279-F9856A4396BC}"/>
+              </a:ext>
+            </a:extLst>
+          </p:cNvPr>
+          <p:cNvSpPr/>
+          <p:nvPr/>
+        </p:nvSpPr>
+        <p:spPr>
+          <a:xfrm>
+            <a:off x="16505758" y="1418653"/>
+            <a:ext cx="5544616" cy="1296144"/>
+          </a:xfrm>
+          <a:prstGeom prst="rect">
+            <a:avLst/>
+          </a:prstGeom>
+          <a:ln>
+            <a:solidFill>
+              <a:schemeClr val="bg1"/>
+            </a:solidFill>
+          </a:ln>
+        </p:spPr>
+        <p:style>
+          <a:lnRef idx="2">
+            <a:schemeClr val="dk1"/>
+          </a:lnRef>
+          <a:fillRef idx="1">
+            <a:schemeClr val="lt1"/>
+          </a:fillRef>
+          <a:effectRef idx="0">
+            <a:schemeClr val="dk1"/>
+          </a:effectRef>
+          <a:fontRef idx="minor">
+            <a:schemeClr val="dk1"/>
+          </a:fontRef>
+        </p:style>
+        <p:txBody>
+          <a:bodyPr rtlCol="0" anchor="ctr"/>
+          <a:lstStyle/>
+          <a:p>
+            <a:pPr algn="ctr"/>
+            <a:endParaRPr lang="de-DE"/>
+          </a:p>
+        </p:txBody>
+      </p:sp>
+      <p:sp>
+        <p:nvSpPr>
+          <p:cNvPr id="6" name="TextBox 5">
+            <a:extLst>
+              <a:ext uri="{FF2B5EF4-FFF2-40B4-BE49-F238E27FC236}">
+                <a16:creationId xmlns:a16="http://schemas.microsoft.com/office/drawing/2014/main" id="{B35E2185-95B8-40D1-763F-C18F4BC62366}"/>
+              </a:ext>
+            </a:extLst>
+          </p:cNvPr>
+          <p:cNvSpPr txBox="1"/>
+          <p:nvPr/>
+        </p:nvSpPr>
+        <p:spPr>
+          <a:xfrm>
+            <a:off x="10241062" y="1158800"/>
+            <a:ext cx="21386376" cy="1846659"/>
+          </a:xfrm>
+          <a:prstGeom prst="rect">
+            <a:avLst/>
+          </a:prstGeom>
+          <a:noFill/>
+        </p:spPr>
+        <p:txBody>
+          <a:bodyPr wrap="square" rtlCol="0">
+            <a:spAutoFit/>
+          </a:bodyPr>
+          <a:lstStyle/>
+          <a:p>
+            <a:r>
+              <a:rPr lang="en-US" sz="9600" dirty="0">
+                <a:solidFill>
+                  <a:srgbClr val="19406B"/>
+                </a:solidFill>
+                <a:latin typeface="Segoe UI" panose="020B0502040204020203" pitchFamily="34" charset="0"/>
+                <a:cs typeface="Segoe UI" panose="020B0502040204020203" pitchFamily="34" charset="0"/>
+              </a:rPr>
+              <a:t>DSAI Project Seminar</a:t>
+            </a:r>
+          </a:p>
+          <a:p>
+            <a:endParaRPr lang="de-DE" dirty="0"/>
+          </a:p>
+        </p:txBody>
+      </p:sp>
+      <p:pic>
+        <p:nvPicPr>
+          <p:cNvPr id="12" name="Graphic 11">
+            <a:extLst>
+              <a:ext uri="{FF2B5EF4-FFF2-40B4-BE49-F238E27FC236}">
+                <a16:creationId xmlns:a16="http://schemas.microsoft.com/office/drawing/2014/main" id="{5AE62232-3523-6D71-C1CE-90AE8896FEA4}"/>
+              </a:ext>
+            </a:extLst>
+          </p:cNvPr>
+          <p:cNvPicPr>
+            <a:picLocks noChangeAspect="1"/>
+          </p:cNvPicPr>
+          <p:nvPr/>
+        </p:nvPicPr>
+        <p:blipFill>
+          <a:blip r:embed="rId7">
+            <a:extLst>
+              <a:ext uri="{96DAC541-7B7A-43D3-8B79-37D633B846F1}">
+                <asvg:svgBlip xmlns:asvg="http://schemas.microsoft.com/office/drawing/2016/SVG/main" r:embed="rId8"/>
+              </a:ext>
+            </a:extLst>
+          </a:blip>
+          <a:stretch>
+            <a:fillRect/>
+          </a:stretch>
+        </p:blipFill>
+        <p:spPr>
+          <a:xfrm>
+            <a:off x="18739589" y="11209764"/>
+            <a:ext cx="8684437" cy="4342219"/>
+          </a:xfrm>
+          <a:prstGeom prst="rect">
+            <a:avLst/>
+          </a:prstGeom>
+        </p:spPr>
+      </p:pic>
+      <p:sp>
+        <p:nvSpPr>
+          <p:cNvPr id="19" name="TextBox 18">
+            <a:extLst>
+              <a:ext uri="{FF2B5EF4-FFF2-40B4-BE49-F238E27FC236}">
+                <a16:creationId xmlns:a16="http://schemas.microsoft.com/office/drawing/2014/main" id="{559264A3-3A27-8832-FF13-1C443A0C4AF3}"/>
+              </a:ext>
+            </a:extLst>
+          </p:cNvPr>
+          <p:cNvSpPr txBox="1"/>
+          <p:nvPr/>
+        </p:nvSpPr>
+        <p:spPr>
+          <a:xfrm>
+            <a:off x="19386078" y="15121339"/>
+            <a:ext cx="3384376" cy="276999"/>
+          </a:xfrm>
+          <a:prstGeom prst="rect">
+            <a:avLst/>
+          </a:prstGeom>
+          <a:noFill/>
+        </p:spPr>
+        <p:txBody>
+          <a:bodyPr wrap="square" rtlCol="0">
+            <a:spAutoFit/>
+          </a:bodyPr>
+          <a:lstStyle/>
+          <a:p>
+            <a:r>
+              <a:rPr lang="de-DE" sz="1200" dirty="0"/>
+              <a:t>Image 1: Experimental Setup</a:t>
+            </a:r>
+          </a:p>
+        </p:txBody>
+      </p:sp>
+      <p:sp>
+        <p:nvSpPr>
+          <p:cNvPr id="20" name="TextBox 19">
+            <a:extLst>
+              <a:ext uri="{FF2B5EF4-FFF2-40B4-BE49-F238E27FC236}">
+                <a16:creationId xmlns:a16="http://schemas.microsoft.com/office/drawing/2014/main" id="{0AB3B10A-BDE5-9B53-86E8-1C9F932DF43E}"/>
+              </a:ext>
+            </a:extLst>
+          </p:cNvPr>
+          <p:cNvSpPr txBox="1"/>
+          <p:nvPr/>
+        </p:nvSpPr>
+        <p:spPr>
+          <a:xfrm>
+            <a:off x="2257952" y="21566193"/>
+            <a:ext cx="3384376" cy="276999"/>
+          </a:xfrm>
+          <a:prstGeom prst="rect">
+            <a:avLst/>
+          </a:prstGeom>
+          <a:noFill/>
+        </p:spPr>
+        <p:txBody>
+          <a:bodyPr wrap="square" rtlCol="0">
+            <a:spAutoFit/>
+          </a:bodyPr>
+          <a:lstStyle/>
+          <a:p>
+            <a:r>
+              <a:rPr lang="de-DE" sz="1200" dirty="0"/>
+              <a:t>Image 2</a:t>
+            </a:r>
+          </a:p>
+        </p:txBody>
+      </p:sp>
+      <p:sp>
+        <p:nvSpPr>
+          <p:cNvPr id="21" name="TextBox 20">
+            <a:extLst>
+              <a:ext uri="{FF2B5EF4-FFF2-40B4-BE49-F238E27FC236}">
+                <a16:creationId xmlns:a16="http://schemas.microsoft.com/office/drawing/2014/main" id="{B7AE4B9A-B937-55E7-D1FA-8F235CB7ABC5}"/>
+              </a:ext>
+            </a:extLst>
+          </p:cNvPr>
+          <p:cNvSpPr txBox="1"/>
+          <p:nvPr/>
+        </p:nvSpPr>
+        <p:spPr>
+          <a:xfrm>
+            <a:off x="2257952" y="27179121"/>
+            <a:ext cx="2418830" cy="276999"/>
+          </a:xfrm>
+          <a:prstGeom prst="rect">
+            <a:avLst/>
+          </a:prstGeom>
+          <a:noFill/>
+        </p:spPr>
+        <p:txBody>
+          <a:bodyPr wrap="square" rtlCol="0">
+            <a:spAutoFit/>
+          </a:bodyPr>
+          <a:lstStyle/>
+          <a:p>
+            <a:r>
+              <a:rPr lang="de-DE" sz="1200" dirty="0"/>
+              <a:t>Image 3</a:t>
+            </a:r>
+          </a:p>
+        </p:txBody>
+      </p:sp>
+      <p:pic>
+        <p:nvPicPr>
+          <p:cNvPr id="26" name="Graphic 25">
+            <a:extLst>
+              <a:ext uri="{FF2B5EF4-FFF2-40B4-BE49-F238E27FC236}">
+                <a16:creationId xmlns:a16="http://schemas.microsoft.com/office/drawing/2014/main" id="{F4CDF056-36A3-FEFF-C260-45661A505D03}"/>
+              </a:ext>
+            </a:extLst>
+          </p:cNvPr>
+          <p:cNvPicPr>
+            <a:picLocks noChangeAspect="1"/>
+          </p:cNvPicPr>
+          <p:nvPr/>
+        </p:nvPicPr>
+        <p:blipFill>
+          <a:blip r:embed="rId9">
+            <a:extLst>
+              <a:ext uri="{96DAC541-7B7A-43D3-8B79-37D633B846F1}">
+                <asvg:svgBlip xmlns:asvg="http://schemas.microsoft.com/office/drawing/2016/SVG/main" r:embed="rId10"/>
+              </a:ext>
+            </a:extLst>
+          </a:blip>
+          <a:stretch>
+            <a:fillRect/>
+          </a:stretch>
+        </p:blipFill>
+        <p:spPr>
+          <a:xfrm>
+            <a:off x="2620800" y="28837857"/>
+            <a:ext cx="2658680" cy="10246142"/>
+          </a:xfrm>
+          <a:prstGeom prst="rect">
+            <a:avLst/>
+          </a:prstGeom>
+        </p:spPr>
+      </p:pic>
+      <p:sp>
+        <p:nvSpPr>
+          <p:cNvPr id="28" name="TextBox 27">
+            <a:extLst>
+              <a:ext uri="{FF2B5EF4-FFF2-40B4-BE49-F238E27FC236}">
+                <a16:creationId xmlns:a16="http://schemas.microsoft.com/office/drawing/2014/main" id="{1F10DDD6-B188-EAC1-65C1-213EAF63F1DE}"/>
+              </a:ext>
+            </a:extLst>
+          </p:cNvPr>
+          <p:cNvSpPr txBox="1"/>
+          <p:nvPr/>
+        </p:nvSpPr>
+        <p:spPr>
+          <a:xfrm>
+            <a:off x="2133600" y="28007934"/>
+            <a:ext cx="4166686" cy="861774"/>
+          </a:xfrm>
+          <a:prstGeom prst="rect">
+            <a:avLst/>
+          </a:prstGeom>
+          <a:noFill/>
+        </p:spPr>
+        <p:txBody>
+          <a:bodyPr wrap="square" rtlCol="0">
+            <a:spAutoFit/>
+          </a:bodyPr>
+          <a:lstStyle/>
+          <a:p>
+            <a:r>
+              <a:rPr lang="de-DE" sz="3200" b="1" dirty="0">
+                <a:solidFill>
+                  <a:srgbClr val="19406B"/>
+                </a:solidFill>
+                <a:latin typeface="Segoe UI" panose="020B0502040204020203" pitchFamily="34" charset="0"/>
+                <a:cs typeface="Segoe UI" panose="020B0502040204020203" pitchFamily="34" charset="0"/>
+              </a:rPr>
+              <a:t>Model Architecture</a:t>
+            </a:r>
+          </a:p>
+          <a:p>
+            <a:endParaRPr lang="de-DE" dirty="0"/>
           </a:p>
         </p:txBody>
       </p:sp>
@@ -8326,24 +7938,6 @@
 </file>
 
 <file path=customXml/item1.xml><?xml version="1.0" encoding="utf-8"?>
-<p:properties xmlns:p="http://schemas.microsoft.com/office/2006/metadata/properties" xmlns:xsi="http://www.w3.org/2001/XMLSchema-instance" xmlns:pc="http://schemas.microsoft.com/office/infopath/2007/PartnerControls">
-  <documentManagement>
-    <Datei_x002d_Typ xmlns="0d8a9e77-e5df-4dea-a25d-6fd5fe8176f9">pptx</Datei_x002d_Typ>
-    <Vorlagen_x002d_Typ xmlns="0d8a9e77-e5df-4dea-a25d-6fd5fe8176f9">Poster wissenschaftlich</Vorlagen_x002d_Typ>
-  </documentManagement>
-</p:properties>
-</file>
-
-<file path=customXml/item2.xml><?xml version="1.0" encoding="utf-8"?>
-<?mso-contentType ?>
-<FormTemplates xmlns="http://schemas.microsoft.com/sharepoint/v3/contenttype/forms">
-  <Display>DocumentLibraryForm</Display>
-  <Edit>DocumentLibraryForm</Edit>
-  <New>DocumentLibraryForm</New>
-</FormTemplates>
-</file>
-
-<file path=customXml/item3.xml><?xml version="1.0" encoding="utf-8"?>
 <ct:contentTypeSchema xmlns:ct="http://schemas.microsoft.com/office/2006/metadata/contentType" xmlns:ma="http://schemas.microsoft.com/office/2006/metadata/properties/metaAttributes" ct:_="" ma:_="" ma:contentTypeName="Dokument" ma:contentTypeID="0x010100BF561F2B26307F469647E24EC60BB400" ma:contentTypeVersion="6" ma:contentTypeDescription="Ein neues Dokument erstellen." ma:contentTypeScope="" ma:versionID="4f979b4d35c23bcdf0530eadb6f3b4ca">
   <xsd:schema xmlns:xsd="http://www.w3.org/2001/XMLSchema" xmlns:xs="http://www.w3.org/2001/XMLSchema" xmlns:p="http://schemas.microsoft.com/office/2006/metadata/properties" xmlns:ns2="0d8a9e77-e5df-4dea-a25d-6fd5fe8176f9" targetNamespace="http://schemas.microsoft.com/office/2006/metadata/properties" ma:root="true" ma:fieldsID="839fb1b8b8081b8bc7e16d8b7b076f17" ns2:_="">
     <xsd:import namespace="0d8a9e77-e5df-4dea-a25d-6fd5fe8176f9"/>
@@ -8521,25 +8115,25 @@
 </ct:contentTypeSchema>
 </file>
 
-<file path=customXml/itemProps1.xml><?xml version="1.0" encoding="utf-8"?>
-<ds:datastoreItem xmlns:ds="http://schemas.openxmlformats.org/officeDocument/2006/customXml" ds:itemID="{93A96314-6CE3-4747-8FFF-5DB3352FDD8D}">
-  <ds:schemaRefs>
-    <ds:schemaRef ds:uri="http://schemas.microsoft.com/office/2006/metadata/properties"/>
-    <ds:schemaRef ds:uri="http://schemas.microsoft.com/office/infopath/2007/PartnerControls"/>
-    <ds:schemaRef ds:uri="0d8a9e77-e5df-4dea-a25d-6fd5fe8176f9"/>
-  </ds:schemaRefs>
-</ds:datastoreItem>
+<file path=customXml/item2.xml><?xml version="1.0" encoding="utf-8"?>
+<?mso-contentType ?>
+<FormTemplates xmlns="http://schemas.microsoft.com/sharepoint/v3/contenttype/forms">
+  <Display>DocumentLibraryForm</Display>
+  <Edit>DocumentLibraryForm</Edit>
+  <New>DocumentLibraryForm</New>
+</FormTemplates>
 </file>
 
-<file path=customXml/itemProps2.xml><?xml version="1.0" encoding="utf-8"?>
-<ds:datastoreItem xmlns:ds="http://schemas.openxmlformats.org/officeDocument/2006/customXml" ds:itemID="{5DC7943D-E0B0-4C98-87CE-5E1D610D3EF0}">
-  <ds:schemaRefs>
-    <ds:schemaRef ds:uri="http://schemas.microsoft.com/sharepoint/v3/contenttype/forms"/>
-  </ds:schemaRefs>
-</ds:datastoreItem>
+<file path=customXml/item3.xml><?xml version="1.0" encoding="utf-8"?>
+<p:properties xmlns:p="http://schemas.microsoft.com/office/2006/metadata/properties" xmlns:xsi="http://www.w3.org/2001/XMLSchema-instance" xmlns:pc="http://schemas.microsoft.com/office/infopath/2007/PartnerControls">
+  <documentManagement>
+    <Datei_x002d_Typ xmlns="0d8a9e77-e5df-4dea-a25d-6fd5fe8176f9">pptx</Datei_x002d_Typ>
+    <Vorlagen_x002d_Typ xmlns="0d8a9e77-e5df-4dea-a25d-6fd5fe8176f9">Poster wissenschaftlich</Vorlagen_x002d_Typ>
+  </documentManagement>
+</p:properties>
 </file>
 
-<file path=customXml/itemProps3.xml><?xml version="1.0" encoding="utf-8"?>
+<file path=customXml/itemProps1.xml><?xml version="1.0" encoding="utf-8"?>
 <ds:datastoreItem xmlns:ds="http://schemas.openxmlformats.org/officeDocument/2006/customXml" ds:itemID="{61CF5FA1-F6B2-4E1C-B324-AB3FEA1CBC13}">
   <ds:schemaRefs>
     <ds:schemaRef ds:uri="http://schemas.microsoft.com/office/2006/metadata/contentType"/>
@@ -8555,4 +8149,22 @@
     <ds:schemaRef ds:uri="http://schemas.microsoft.com/internal/obd"/>
   </ds:schemaRefs>
 </ds:datastoreItem>
+</file>
+
+<file path=customXml/itemProps2.xml><?xml version="1.0" encoding="utf-8"?>
+<ds:datastoreItem xmlns:ds="http://schemas.openxmlformats.org/officeDocument/2006/customXml" ds:itemID="{5DC7943D-E0B0-4C98-87CE-5E1D610D3EF0}">
+  <ds:schemaRefs>
+    <ds:schemaRef ds:uri="http://schemas.microsoft.com/sharepoint/v3/contenttype/forms"/>
+  </ds:schemaRefs>
+</ds:datastoreItem>
+</file>
+
+<file path=customXml/itemProps3.xml><?xml version="1.0" encoding="utf-8"?>
+<ds:datastoreItem xmlns:ds="http://schemas.openxmlformats.org/officeDocument/2006/customXml" ds:itemID="{93A96314-6CE3-4747-8FFF-5DB3352FDD8D}">
+  <ds:schemaRefs>
+    <ds:schemaRef ds:uri="http://schemas.microsoft.com/office/2006/metadata/properties"/>
+    <ds:schemaRef ds:uri="http://schemas.microsoft.com/office/infopath/2007/PartnerControls"/>
+    <ds:schemaRef ds:uri="0d8a9e77-e5df-4dea-a25d-6fd5fe8176f9"/>
+  </ds:schemaRefs>
+</ds:datastoreItem>
 </file>
--- a/Poster/Project Seminar Poster 25 v1.pptx
+++ b/Poster/Project Seminar Poster 25 v1.pptx
@@ -5388,8 +5388,8 @@
         </p:nvSpPr>
         <p:spPr>
           <a:xfrm>
-            <a:off x="15471925" y="15355061"/>
-            <a:ext cx="12545336" cy="22211105"/>
+            <a:off x="15471925" y="15355062"/>
+            <a:ext cx="12545336" cy="13579188"/>
           </a:xfrm>
           <a:prstGeom prst="rect">
             <a:avLst/>
@@ -6336,122 +6336,6 @@
                 <a:spcPct val="150000"/>
               </a:lnSpc>
             </a:pPr>
-            <a:r>
-              <a:rPr lang="de-DE" sz="3200" b="1" dirty="0">
-                <a:solidFill>
-                  <a:srgbClr val="19406B"/>
-                </a:solidFill>
-              </a:rPr>
-              <a:t>Model Architecture</a:t>
-            </a:r>
-            <a:endParaRPr lang="de-DE" sz="2400" b="1" dirty="0">
-              <a:solidFill>
-                <a:srgbClr val="19406B"/>
-              </a:solidFill>
-            </a:endParaRPr>
-          </a:p>
-          <a:p>
-            <a:pPr algn="l">
-              <a:lnSpc>
-                <a:spcPct val="150000"/>
-              </a:lnSpc>
-            </a:pPr>
-            <a:r>
-              <a:rPr lang="de-DE" sz="3200" b="1" dirty="0" err="1">
-                <a:solidFill>
-                  <a:srgbClr val="19406B"/>
-                </a:solidFill>
-              </a:rPr>
-              <a:t>Results</a:t>
-            </a:r>
-            <a:r>
-              <a:rPr lang="de-DE" sz="4800" b="1" dirty="0">
-                <a:solidFill>
-                  <a:srgbClr val="19406B"/>
-                </a:solidFill>
-              </a:rPr>
-              <a:t> </a:t>
-            </a:r>
-            <a:r>
-              <a:rPr lang="de-DE" sz="2400" dirty="0">
-                <a:solidFill>
-                  <a:schemeClr val="tx1"/>
-                </a:solidFill>
-              </a:rPr>
-              <a:t>*pls </a:t>
-            </a:r>
-            <a:r>
-              <a:rPr lang="de-DE" sz="2400" dirty="0" err="1">
-                <a:solidFill>
-                  <a:schemeClr val="tx1"/>
-                </a:solidFill>
-              </a:rPr>
-              <a:t>reformulate</a:t>
-            </a:r>
-            <a:r>
-              <a:rPr lang="de-DE" sz="2400" dirty="0">
-                <a:solidFill>
-                  <a:schemeClr val="tx1"/>
-                </a:solidFill>
-              </a:rPr>
-              <a:t>*</a:t>
-            </a:r>
-            <a:endParaRPr lang="de-DE" sz="2400" b="1" dirty="0">
-              <a:solidFill>
-                <a:srgbClr val="19406B"/>
-              </a:solidFill>
-            </a:endParaRPr>
-          </a:p>
-          <a:p>
-            <a:pPr marL="457200" indent="-457200" algn="l">
-              <a:lnSpc>
-                <a:spcPct val="150000"/>
-              </a:lnSpc>
-              <a:buFontTx/>
-              <a:buChar char="-"/>
-            </a:pPr>
-            <a:r>
-              <a:rPr lang="en-US" sz="2400" dirty="0">
-                <a:solidFill>
-                  <a:schemeClr val="tx1"/>
-                </a:solidFill>
-              </a:rPr>
-              <a:t>Example input/output spectra from model</a:t>
-            </a:r>
-          </a:p>
-          <a:p>
-            <a:pPr marL="457200" indent="-457200" algn="l">
-              <a:lnSpc>
-                <a:spcPct val="150000"/>
-              </a:lnSpc>
-              <a:buFontTx/>
-              <a:buChar char="-"/>
-            </a:pPr>
-            <a:r>
-              <a:rPr lang="en-US" sz="2400" dirty="0">
-                <a:solidFill>
-                  <a:schemeClr val="tx1"/>
-                </a:solidFill>
-              </a:rPr>
-              <a:t>Comparison of predicted vs. actual AOM spectra</a:t>
-            </a:r>
-          </a:p>
-          <a:p>
-            <a:pPr marL="457200" indent="-457200" algn="l">
-              <a:lnSpc>
-                <a:spcPct val="150000"/>
-              </a:lnSpc>
-              <a:buFontTx/>
-              <a:buChar char="-"/>
-            </a:pPr>
-            <a:r>
-              <a:rPr lang="en-US" sz="2400" dirty="0">
-                <a:solidFill>
-                  <a:schemeClr val="tx1"/>
-                </a:solidFill>
-              </a:rPr>
-              <a:t>Error metrics, learning curve, etc.</a:t>
-            </a:r>
             <a:r>
               <a:rPr lang="en-US" sz="3200" dirty="0">
                 <a:solidFill>
@@ -6601,41 +6485,6 @@
           </a:prstGeom>
         </p:spPr>
       </p:pic>
-      <p:sp>
-        <p:nvSpPr>
-          <p:cNvPr id="43" name="Textfeld 42">
-            <a:extLst>
-              <a:ext uri="{FF2B5EF4-FFF2-40B4-BE49-F238E27FC236}">
-                <a16:creationId xmlns:a16="http://schemas.microsoft.com/office/drawing/2014/main" id="{177864B9-2378-0701-2E18-A5088CD69807}"/>
-              </a:ext>
-            </a:extLst>
-          </p:cNvPr>
-          <p:cNvSpPr txBox="1"/>
-          <p:nvPr/>
-        </p:nvSpPr>
-        <p:spPr>
-          <a:xfrm>
-            <a:off x="18739589" y="35563725"/>
-            <a:ext cx="6264696" cy="1569660"/>
-          </a:xfrm>
-          <a:prstGeom prst="rect">
-            <a:avLst/>
-          </a:prstGeom>
-          <a:noFill/>
-        </p:spPr>
-        <p:txBody>
-          <a:bodyPr wrap="square" rtlCol="0">
-            <a:spAutoFit/>
-          </a:bodyPr>
-          <a:lstStyle/>
-          <a:p>
-            <a:r>
-              <a:rPr lang="de-DE" sz="4800" dirty="0"/>
-              <a:t>INSERT RESULTS AS IMAGES IDFK</a:t>
-            </a:r>
-          </a:p>
-        </p:txBody>
-      </p:sp>
       <p:sp>
         <p:nvSpPr>
           <p:cNvPr id="45" name="Textfeld 44">
@@ -7028,6 +6877,167 @@
           </a:p>
         </p:txBody>
       </p:sp>
+      <p:sp>
+        <p:nvSpPr>
+          <p:cNvPr id="31" name="TextBox 30">
+            <a:extLst>
+              <a:ext uri="{FF2B5EF4-FFF2-40B4-BE49-F238E27FC236}">
+                <a16:creationId xmlns:a16="http://schemas.microsoft.com/office/drawing/2014/main" id="{049E7C29-B3A7-E1E5-FDC6-FE86F9280587}"/>
+              </a:ext>
+            </a:extLst>
+          </p:cNvPr>
+          <p:cNvSpPr txBox="1"/>
+          <p:nvPr/>
+        </p:nvSpPr>
+        <p:spPr>
+          <a:xfrm>
+            <a:off x="7518004" y="29056130"/>
+            <a:ext cx="3240360" cy="584775"/>
+          </a:xfrm>
+          <a:prstGeom prst="rect">
+            <a:avLst/>
+          </a:prstGeom>
+          <a:noFill/>
+        </p:spPr>
+        <p:txBody>
+          <a:bodyPr wrap="square" rtlCol="0">
+            <a:spAutoFit/>
+          </a:bodyPr>
+          <a:lstStyle/>
+          <a:p>
+            <a:r>
+              <a:rPr lang="de-DE" sz="3200" b="1" dirty="0">
+                <a:solidFill>
+                  <a:srgbClr val="19406B"/>
+                </a:solidFill>
+                <a:latin typeface="Segoe UI" panose="020B0502040204020203" pitchFamily="34" charset="0"/>
+                <a:cs typeface="Segoe UI" panose="020B0502040204020203" pitchFamily="34" charset="0"/>
+              </a:rPr>
+              <a:t>Results</a:t>
+            </a:r>
+          </a:p>
+        </p:txBody>
+      </p:sp>
+      <p:pic>
+        <p:nvPicPr>
+          <p:cNvPr id="33" name="Picture 32">
+            <a:extLst>
+              <a:ext uri="{FF2B5EF4-FFF2-40B4-BE49-F238E27FC236}">
+                <a16:creationId xmlns:a16="http://schemas.microsoft.com/office/drawing/2014/main" id="{D62BBB16-E444-DD63-AD39-9FF3314A070D}"/>
+              </a:ext>
+            </a:extLst>
+          </p:cNvPr>
+          <p:cNvPicPr>
+            <a:picLocks noChangeAspect="1"/>
+          </p:cNvPicPr>
+          <p:nvPr/>
+        </p:nvPicPr>
+        <p:blipFill>
+          <a:blip r:embed="rId11"/>
+          <a:stretch>
+            <a:fillRect/>
+          </a:stretch>
+        </p:blipFill>
+        <p:spPr>
+          <a:xfrm>
+            <a:off x="7581137" y="29883743"/>
+            <a:ext cx="7317326" cy="4913062"/>
+          </a:xfrm>
+          <a:prstGeom prst="rect">
+            <a:avLst/>
+          </a:prstGeom>
+        </p:spPr>
+      </p:pic>
+      <p:pic>
+        <p:nvPicPr>
+          <p:cNvPr id="35" name="Picture 34">
+            <a:extLst>
+              <a:ext uri="{FF2B5EF4-FFF2-40B4-BE49-F238E27FC236}">
+                <a16:creationId xmlns:a16="http://schemas.microsoft.com/office/drawing/2014/main" id="{21762F54-A75F-51F9-4BF1-46ABF3C8A1CD}"/>
+              </a:ext>
+            </a:extLst>
+          </p:cNvPr>
+          <p:cNvPicPr>
+            <a:picLocks noChangeAspect="1"/>
+          </p:cNvPicPr>
+          <p:nvPr/>
+        </p:nvPicPr>
+        <p:blipFill>
+          <a:blip r:embed="rId12"/>
+          <a:stretch>
+            <a:fillRect/>
+          </a:stretch>
+        </p:blipFill>
+        <p:spPr>
+          <a:xfrm>
+            <a:off x="7613479" y="34977979"/>
+            <a:ext cx="7285135" cy="4569918"/>
+          </a:xfrm>
+          <a:prstGeom prst="rect">
+            <a:avLst/>
+          </a:prstGeom>
+        </p:spPr>
+      </p:pic>
+      <p:pic>
+        <p:nvPicPr>
+          <p:cNvPr id="37" name="Picture 36">
+            <a:extLst>
+              <a:ext uri="{FF2B5EF4-FFF2-40B4-BE49-F238E27FC236}">
+                <a16:creationId xmlns:a16="http://schemas.microsoft.com/office/drawing/2014/main" id="{3B41BF1E-5935-1B3A-DD82-385BECCEB530}"/>
+              </a:ext>
+            </a:extLst>
+          </p:cNvPr>
+          <p:cNvPicPr>
+            <a:picLocks noChangeAspect="1"/>
+          </p:cNvPicPr>
+          <p:nvPr/>
+        </p:nvPicPr>
+        <p:blipFill>
+          <a:blip r:embed="rId13"/>
+          <a:stretch>
+            <a:fillRect/>
+          </a:stretch>
+        </p:blipFill>
+        <p:spPr>
+          <a:xfrm>
+            <a:off x="15896177" y="29613913"/>
+            <a:ext cx="10917451" cy="4954455"/>
+          </a:xfrm>
+          <a:prstGeom prst="rect">
+            <a:avLst/>
+          </a:prstGeom>
+        </p:spPr>
+      </p:pic>
+      <p:pic>
+        <p:nvPicPr>
+          <p:cNvPr id="39" name="Picture 38">
+            <a:extLst>
+              <a:ext uri="{FF2B5EF4-FFF2-40B4-BE49-F238E27FC236}">
+                <a16:creationId xmlns:a16="http://schemas.microsoft.com/office/drawing/2014/main" id="{B436CB1D-1EB9-0FA3-5B05-A9C0D1D37221}"/>
+              </a:ext>
+            </a:extLst>
+          </p:cNvPr>
+          <p:cNvPicPr>
+            <a:picLocks noChangeAspect="1"/>
+          </p:cNvPicPr>
+          <p:nvPr/>
+        </p:nvPicPr>
+        <p:blipFill>
+          <a:blip r:embed="rId14"/>
+          <a:stretch>
+            <a:fillRect/>
+          </a:stretch>
+        </p:blipFill>
+        <p:spPr>
+          <a:xfrm>
+            <a:off x="15896177" y="34793532"/>
+            <a:ext cx="10917451" cy="4954455"/>
+          </a:xfrm>
+          <a:prstGeom prst="rect">
+            <a:avLst/>
+          </a:prstGeom>
+        </p:spPr>
+      </p:pic>
     </p:spTree>
     <p:extLst>
       <p:ext uri="{BB962C8B-B14F-4D97-AF65-F5344CB8AC3E}">

--- a/Poster/Project Seminar Poster 25 v1.pptx
+++ b/Poster/Project Seminar Poster 25 v1.pptx
@@ -411,7 +411,7 @@
               <a:pPr>
                 <a:defRPr/>
               </a:pPr>
-              <a:t>‹#›</a:t>
+              <a:t>‹Nr.›</a:t>
             </a:fld>
             <a:endParaRPr lang="de-DE" altLang="de-DE"/>
           </a:p>
@@ -719,7 +719,7 @@
               <a:pPr>
                 <a:defRPr/>
               </a:pPr>
-              <a:t>‹#›</a:t>
+              <a:t>‹Nr.›</a:t>
             </a:fld>
             <a:endParaRPr lang="de-DE" altLang="de-DE"/>
           </a:p>
@@ -1776,7 +1776,7 @@
               <a:pPr>
                 <a:defRPr/>
               </a:pPr>
-              <a:t>‹#›</a:t>
+              <a:t>‹Nr.›</a:t>
             </a:fld>
             <a:endParaRPr lang="de-DE" altLang="de-DE" dirty="0"/>
           </a:p>
@@ -2343,7 +2343,7 @@
               <a:pPr>
                 <a:defRPr/>
               </a:pPr>
-              <a:t>‹#›</a:t>
+              <a:t>‹Nr.›</a:t>
             </a:fld>
             <a:endParaRPr lang="de-DE" altLang="de-DE" dirty="0"/>
           </a:p>
@@ -2961,7 +2961,7 @@
               <a:pPr>
                 <a:defRPr/>
               </a:pPr>
-              <a:t>‹#›</a:t>
+              <a:t>‹Nr.›</a:t>
             </a:fld>
             <a:endParaRPr lang="de-DE" altLang="de-DE" dirty="0"/>
           </a:p>
@@ -3579,7 +3579,7 @@
               <a:pPr>
                 <a:defRPr/>
               </a:pPr>
-              <a:t>‹#›</a:t>
+              <a:t>‹Nr.›</a:t>
             </a:fld>
             <a:endParaRPr lang="de-DE" altLang="de-DE" dirty="0"/>
           </a:p>
@@ -3894,7 +3894,7 @@
               <a:pPr>
                 <a:defRPr/>
               </a:pPr>
-              <a:t>‹#›</a:t>
+              <a:t>‹Nr.›</a:t>
             </a:fld>
             <a:endParaRPr lang="de-DE" altLang="de-DE" dirty="0"/>
           </a:p>
@@ -4857,7 +4857,7 @@
         <p:spPr>
           <a:xfrm>
             <a:off x="2007224" y="11209764"/>
-            <a:ext cx="16874798" cy="3249900"/>
+            <a:ext cx="10754118" cy="3249900"/>
           </a:xfrm>
           <a:prstGeom prst="rect">
             <a:avLst/>
@@ -5083,7 +5083,7 @@
                   <a:schemeClr val="tx1"/>
                 </a:solidFill>
               </a:rPr>
-              <a:t>We want to predict the frequency spectrum given to the AWG by modeling the resulting frequency spectra given a desired, complex output spectrum which should be then produced by the AOM.</a:t>
+              <a:t>We want to predict the required frequency spectrum produced by the AWG given a desired output spectrum which should then be produced by the AOM.</a:t>
             </a:r>
           </a:p>
           <a:p>
@@ -5302,7 +5302,7 @@
                   <a:schemeClr val="bg1"/>
                 </a:solidFill>
               </a:rPr>
-              <a:t>: Dr. Prof. Eschner &amp; Team (Experimental Physics – Quantum </a:t>
+              <a:t>: Prof. Dr. Eschner &amp; Team (Experimental Physics – Quantum </a:t>
             </a:r>
             <a:r>
               <a:rPr lang="de-DE" sz="4800" b="1" dirty="0" err="1">
@@ -5388,7 +5388,7 @@
         </p:nvSpPr>
         <p:spPr>
           <a:xfrm>
-            <a:off x="15471925" y="15355062"/>
+            <a:off x="15433825" y="15355062"/>
             <a:ext cx="12545336" cy="13579188"/>
           </a:xfrm>
           <a:prstGeom prst="rect">
@@ -5624,7 +5624,7 @@
                   <a:schemeClr val="tx1"/>
                 </a:solidFill>
               </a:rPr>
-              <a:t>complex input-output relationships,</a:t>
+              <a:t>complex input-output relationships of the AOM,</a:t>
             </a:r>
             <a:r>
               <a:rPr lang="en-US" sz="2400" dirty="0">
@@ -5876,7 +5876,7 @@
                   <a:schemeClr val="tx1"/>
                 </a:solidFill>
               </a:rPr>
-              <a:t>Each </a:t>
+              <a:t>Each AWG </a:t>
             </a:r>
             <a:r>
               <a:rPr lang="en-US" sz="2400" b="1" dirty="0">
@@ -5884,7 +5884,7 @@
                   <a:schemeClr val="tx1"/>
                 </a:solidFill>
               </a:rPr>
-              <a:t>AWG input spectrum</a:t>
+              <a:t>input</a:t>
             </a:r>
             <a:r>
               <a:rPr lang="en-US" sz="2400" dirty="0">
@@ -5892,7 +5892,7 @@
                   <a:schemeClr val="tx1"/>
                 </a:solidFill>
               </a:rPr>
-              <a:t> has </a:t>
+              <a:t> spectrum has </a:t>
             </a:r>
             <a:r>
               <a:rPr lang="en-US" sz="2400" b="1" dirty="0">
@@ -5900,7 +5900,7 @@
                   <a:schemeClr val="tx1"/>
                 </a:solidFill>
               </a:rPr>
-              <a:t>11 real valued &amp;</a:t>
+              <a:t>11 complex valued Fourier coefficients </a:t>
             </a:r>
             <a:r>
               <a:rPr lang="en-US" sz="2400" dirty="0">
@@ -5908,23 +5908,7 @@
                   <a:schemeClr val="tx1"/>
                 </a:solidFill>
               </a:rPr>
-              <a:t> </a:t>
-            </a:r>
-            <a:r>
-              <a:rPr lang="en-US" sz="2400" b="1" dirty="0">
-                <a:solidFill>
-                  <a:schemeClr val="tx1"/>
-                </a:solidFill>
-              </a:rPr>
-              <a:t>11 complex valued frequencies</a:t>
-            </a:r>
-            <a:r>
-              <a:rPr lang="en-US" sz="2400" dirty="0">
-                <a:solidFill>
-                  <a:schemeClr val="tx1"/>
-                </a:solidFill>
-              </a:rPr>
-              <a:t> ranging from 95 to 105 </a:t>
+              <a:t>(22 real valued parameters) at 11 frequencies ranging from 95 to 105 </a:t>
             </a:r>
             <a:r>
               <a:rPr lang="en-US" sz="2400" dirty="0" err="1">
@@ -5932,7 +5916,7 @@
                   <a:schemeClr val="tx1"/>
                 </a:solidFill>
               </a:rPr>
-              <a:t>mHz.</a:t>
+              <a:t>MHz.</a:t>
             </a:r>
             <a:r>
               <a:rPr lang="en-US" sz="2400" dirty="0">
@@ -5955,7 +5939,7 @@
                   <a:schemeClr val="tx1"/>
                 </a:solidFill>
               </a:rPr>
-              <a:t>Similar, each </a:t>
+              <a:t>Similar, each AOM </a:t>
             </a:r>
             <a:r>
               <a:rPr lang="en-US" sz="2400" b="1" dirty="0">
@@ -5963,7 +5947,7 @@
                   <a:schemeClr val="tx1"/>
                 </a:solidFill>
               </a:rPr>
-              <a:t>AOM output spectrum </a:t>
+              <a:t>output</a:t>
             </a:r>
             <a:r>
               <a:rPr lang="en-US" sz="2400" dirty="0">
@@ -5971,7 +5955,7 @@
                   <a:schemeClr val="tx1"/>
                 </a:solidFill>
               </a:rPr>
-              <a:t>has </a:t>
+              <a:t> spectrum has </a:t>
             </a:r>
             <a:r>
               <a:rPr lang="en-US" sz="2400" b="1" dirty="0">
@@ -5979,7 +5963,7 @@
                   <a:schemeClr val="tx1"/>
                 </a:solidFill>
               </a:rPr>
-              <a:t>101 real valued &amp; 101 complex valued frequencies</a:t>
+              <a:t>101 complex valued Fourier coefficients </a:t>
             </a:r>
             <a:r>
               <a:rPr lang="en-US" sz="2400" dirty="0">
@@ -5987,7 +5971,7 @@
                   <a:schemeClr val="tx1"/>
                 </a:solidFill>
               </a:rPr>
-              <a:t> ranging from 50 to 150 </a:t>
+              <a:t>(202 real valued parameters) at 101 frequencies ranging from 50 to 150 </a:t>
             </a:r>
             <a:r>
               <a:rPr lang="en-US" sz="2400" dirty="0" err="1">
@@ -5995,7 +5979,7 @@
                   <a:schemeClr val="tx1"/>
                 </a:solidFill>
               </a:rPr>
-              <a:t>mHz.</a:t>
+              <a:t>MHz.</a:t>
             </a:r>
             <a:r>
               <a:rPr lang="en-US" sz="2400" dirty="0">
@@ -6034,23 +6018,7 @@
                   <a:schemeClr val="tx1"/>
                 </a:solidFill>
               </a:rPr>
-              <a:t>is generated </a:t>
-            </a:r>
-            <a:r>
-              <a:rPr lang="en-US" sz="2400" b="1" dirty="0">
-                <a:solidFill>
-                  <a:schemeClr val="tx1"/>
-                </a:solidFill>
-              </a:rPr>
-              <a:t>without noise and missing values</a:t>
-            </a:r>
-            <a:r>
-              <a:rPr lang="en-US" sz="2400" dirty="0">
-                <a:solidFill>
-                  <a:schemeClr val="tx1"/>
-                </a:solidFill>
-              </a:rPr>
-              <a:t>.</a:t>
+              <a:t>is generated without noise and missing values. For this we sample the potential AWG input spectra by randomly selecting points on the surface of a 22-dimensional sphere, ensuring that the norm is constant.</a:t>
             </a:r>
           </a:p>
           <a:p>
@@ -6065,7 +6033,7 @@
                   <a:schemeClr val="tx1"/>
                 </a:solidFill>
               </a:rPr>
-              <a:t>For this we </a:t>
+              <a:t>The AOM output is obtained by </a:t>
             </a:r>
             <a:r>
               <a:rPr lang="en-US" sz="2400" b="1" dirty="0">
@@ -6073,7 +6041,7 @@
                   <a:schemeClr val="tx1"/>
                 </a:solidFill>
               </a:rPr>
-              <a:t>sample</a:t>
+              <a:t>simulating</a:t>
             </a:r>
             <a:r>
               <a:rPr lang="en-US" sz="2400" dirty="0">
@@ -6081,7 +6049,7 @@
                   <a:schemeClr val="tx1"/>
                 </a:solidFill>
               </a:rPr>
-              <a:t> the potential</a:t>
+              <a:t> </a:t>
             </a:r>
             <a:r>
               <a:rPr lang="en-US" sz="2400" b="1" dirty="0">
@@ -6089,7 +6057,7 @@
                   <a:schemeClr val="tx1"/>
                 </a:solidFill>
               </a:rPr>
-              <a:t> AWG input </a:t>
+              <a:t>the</a:t>
             </a:r>
             <a:r>
               <a:rPr lang="en-US" sz="2400" dirty="0">
@@ -6097,7 +6065,7 @@
                   <a:schemeClr val="tx1"/>
                 </a:solidFill>
               </a:rPr>
-              <a:t>spectra</a:t>
+              <a:t> </a:t>
             </a:r>
             <a:r>
               <a:rPr lang="en-US" sz="2400" b="1" dirty="0">
@@ -6105,7 +6073,7 @@
                   <a:schemeClr val="tx1"/>
                 </a:solidFill>
               </a:rPr>
-              <a:t> </a:t>
+              <a:t>AOM</a:t>
             </a:r>
             <a:r>
               <a:rPr lang="en-US" sz="2400" dirty="0">
@@ -6113,103 +6081,7 @@
                   <a:schemeClr val="tx1"/>
                 </a:solidFill>
               </a:rPr>
-              <a:t>by </a:t>
-            </a:r>
-            <a:r>
-              <a:rPr lang="en-US" sz="2400" b="1" dirty="0">
-                <a:solidFill>
-                  <a:schemeClr val="tx1"/>
-                </a:solidFill>
-              </a:rPr>
-              <a:t>randomly selecting points</a:t>
-            </a:r>
-            <a:r>
-              <a:rPr lang="en-US" sz="2400" dirty="0">
-                <a:solidFill>
-                  <a:schemeClr val="tx1"/>
-                </a:solidFill>
-              </a:rPr>
-              <a:t> on the </a:t>
-            </a:r>
-            <a:r>
-              <a:rPr lang="en-US" sz="2400" b="1" dirty="0">
-                <a:solidFill>
-                  <a:schemeClr val="tx1"/>
-                </a:solidFill>
-              </a:rPr>
-              <a:t>surface </a:t>
-            </a:r>
-            <a:r>
-              <a:rPr lang="en-US" sz="2400" dirty="0">
-                <a:solidFill>
-                  <a:schemeClr val="tx1"/>
-                </a:solidFill>
-              </a:rPr>
-              <a:t>of a</a:t>
-            </a:r>
-            <a:r>
-              <a:rPr lang="en-US" sz="2400" b="1" dirty="0">
-                <a:solidFill>
-                  <a:schemeClr val="tx1"/>
-                </a:solidFill>
-              </a:rPr>
-              <a:t> 22-dimensional sphere</a:t>
-            </a:r>
-            <a:r>
-              <a:rPr lang="en-US" sz="2400" dirty="0">
-                <a:solidFill>
-                  <a:schemeClr val="tx1"/>
-                </a:solidFill>
-              </a:rPr>
-              <a:t>, ensuring</a:t>
-            </a:r>
-            <a:r>
-              <a:rPr lang="en-US" sz="2400" b="1" dirty="0">
-                <a:solidFill>
-                  <a:schemeClr val="tx1"/>
-                </a:solidFill>
-              </a:rPr>
-              <a:t> </a:t>
-            </a:r>
-            <a:r>
-              <a:rPr lang="en-US" sz="2400" dirty="0">
-                <a:solidFill>
-                  <a:schemeClr val="tx1"/>
-                </a:solidFill>
-              </a:rPr>
-              <a:t>that the </a:t>
-            </a:r>
-            <a:r>
-              <a:rPr lang="en-US" sz="2400" b="1" dirty="0">
-                <a:solidFill>
-                  <a:schemeClr val="tx1"/>
-                </a:solidFill>
-              </a:rPr>
-              <a:t>norm</a:t>
-            </a:r>
-            <a:r>
-              <a:rPr lang="en-US" sz="2400" dirty="0">
-                <a:solidFill>
-                  <a:schemeClr val="tx1"/>
-                </a:solidFill>
-              </a:rPr>
-              <a:t> is </a:t>
-            </a:r>
-            <a:r>
-              <a:rPr lang="en-US" sz="2400" b="1" dirty="0">
-                <a:solidFill>
-                  <a:schemeClr val="tx1"/>
-                </a:solidFill>
-              </a:rPr>
-              <a:t>constant</a:t>
-            </a:r>
-            <a:r>
-              <a:rPr lang="en-US" sz="2400" dirty="0">
-                <a:solidFill>
-                  <a:schemeClr val="tx1"/>
-                </a:solidFill>
-              </a:rPr>
-              <a:t>.</a:t>
+              <a:t> using a provided mathematical model which is physically motivated and similar in complexity.</a:t>
             </a:r>
           </a:p>
           <a:p>
@@ -6224,110 +6096,7 @@
                   <a:schemeClr val="tx1"/>
                 </a:solidFill>
               </a:rPr>
-              <a:t>The </a:t>
-            </a:r>
-            <a:r>
-              <a:rPr lang="en-US" sz="2400" b="1" dirty="0">
-                <a:solidFill>
-                  <a:schemeClr val="tx1"/>
-                </a:solidFill>
-              </a:rPr>
-              <a:t>AOM output </a:t>
-            </a:r>
-            <a:r>
-              <a:rPr lang="en-US" sz="2400" dirty="0">
-                <a:solidFill>
-                  <a:schemeClr val="tx1"/>
-                </a:solidFill>
-              </a:rPr>
-              <a:t>is obtained</a:t>
-            </a:r>
-            <a:r>
-              <a:rPr lang="en-US" sz="2400" b="1" dirty="0">
-                <a:solidFill>
-                  <a:schemeClr val="tx1"/>
-                </a:solidFill>
-              </a:rPr>
-              <a:t> </a:t>
-            </a:r>
-            <a:r>
-              <a:rPr lang="en-US" sz="2400" dirty="0">
-                <a:solidFill>
-                  <a:schemeClr val="tx1"/>
-                </a:solidFill>
-              </a:rPr>
-              <a:t>by</a:t>
-            </a:r>
-            <a:r>
-              <a:rPr lang="en-US" sz="2400" b="1" dirty="0">
-                <a:solidFill>
-                  <a:schemeClr val="tx1"/>
-                </a:solidFill>
-              </a:rPr>
-              <a:t> simulating the AOM </a:t>
-            </a:r>
-            <a:r>
-              <a:rPr lang="en-US" sz="2400" dirty="0">
-                <a:solidFill>
-                  <a:schemeClr val="tx1"/>
-                </a:solidFill>
-              </a:rPr>
-              <a:t>using a provided </a:t>
-            </a:r>
-            <a:r>
-              <a:rPr lang="en-US" sz="2400" b="1" dirty="0">
-                <a:solidFill>
-                  <a:schemeClr val="tx1"/>
-                </a:solidFill>
-              </a:rPr>
-              <a:t>mathematical model </a:t>
-            </a:r>
-            <a:r>
-              <a:rPr lang="en-US" sz="2400" dirty="0">
-                <a:solidFill>
-                  <a:schemeClr val="tx1"/>
-                </a:solidFill>
-              </a:rPr>
-              <a:t>which is </a:t>
-            </a:r>
-            <a:r>
-              <a:rPr lang="en-US" sz="2400" b="1" dirty="0">
-                <a:solidFill>
-                  <a:schemeClr val="tx1"/>
-                </a:solidFill>
-              </a:rPr>
-              <a:t>similar </a:t>
-            </a:r>
-            <a:r>
-              <a:rPr lang="en-US" sz="2400" dirty="0">
-                <a:solidFill>
-                  <a:schemeClr val="tx1"/>
-                </a:solidFill>
-              </a:rPr>
-              <a:t>in</a:t>
-            </a:r>
-            <a:r>
-              <a:rPr lang="en-US" sz="2400" b="1" dirty="0">
-                <a:solidFill>
-                  <a:schemeClr val="tx1"/>
-                </a:solidFill>
-              </a:rPr>
-              <a:t> complexity.</a:t>
-            </a:r>
-          </a:p>
-          <a:p>
-            <a:pPr algn="l">
-              <a:lnSpc>
-                <a:spcPct val="150000"/>
-              </a:lnSpc>
-            </a:pPr>
-            <a:r>
-              <a:rPr lang="en-US" sz="2400" dirty="0">
-                <a:solidFill>
-                  <a:schemeClr val="tx1"/>
-                </a:solidFill>
-              </a:rPr>
-              <a:t>Using both the simulated AOM output spectra as input and the sampled AWG input spectra as desired output, we train the model.</a:t>
+              <a:t>Using both the simulated AOM output spectra as input for the model and the sampled AWG input spectra as desired output of the model, we train the model, LOSS.</a:t>
             </a:r>
           </a:p>
           <a:p>
@@ -7948,6 +7717,24 @@
 </file>
 
 <file path=customXml/item1.xml><?xml version="1.0" encoding="utf-8"?>
+<p:properties xmlns:p="http://schemas.microsoft.com/office/2006/metadata/properties" xmlns:xsi="http://www.w3.org/2001/XMLSchema-instance" xmlns:pc="http://schemas.microsoft.com/office/infopath/2007/PartnerControls">
+  <documentManagement>
+    <Datei_x002d_Typ xmlns="0d8a9e77-e5df-4dea-a25d-6fd5fe8176f9">pptx</Datei_x002d_Typ>
+    <Vorlagen_x002d_Typ xmlns="0d8a9e77-e5df-4dea-a25d-6fd5fe8176f9">Poster wissenschaftlich</Vorlagen_x002d_Typ>
+  </documentManagement>
+</p:properties>
+</file>
+
+<file path=customXml/item2.xml><?xml version="1.0" encoding="utf-8"?>
+<?mso-contentType ?>
+<FormTemplates xmlns="http://schemas.microsoft.com/sharepoint/v3/contenttype/forms">
+  <Display>DocumentLibraryForm</Display>
+  <Edit>DocumentLibraryForm</Edit>
+  <New>DocumentLibraryForm</New>
+</FormTemplates>
+</file>
+
+<file path=customXml/item3.xml><?xml version="1.0" encoding="utf-8"?>
 <ct:contentTypeSchema xmlns:ct="http://schemas.microsoft.com/office/2006/metadata/contentType" xmlns:ma="http://schemas.microsoft.com/office/2006/metadata/properties/metaAttributes" ct:_="" ma:_="" ma:contentTypeName="Dokument" ma:contentTypeID="0x010100BF561F2B26307F469647E24EC60BB400" ma:contentTypeVersion="6" ma:contentTypeDescription="Ein neues Dokument erstellen." ma:contentTypeScope="" ma:versionID="4f979b4d35c23bcdf0530eadb6f3b4ca">
   <xsd:schema xmlns:xsd="http://www.w3.org/2001/XMLSchema" xmlns:xs="http://www.w3.org/2001/XMLSchema" xmlns:p="http://schemas.microsoft.com/office/2006/metadata/properties" xmlns:ns2="0d8a9e77-e5df-4dea-a25d-6fd5fe8176f9" targetNamespace="http://schemas.microsoft.com/office/2006/metadata/properties" ma:root="true" ma:fieldsID="839fb1b8b8081b8bc7e16d8b7b076f17" ns2:_="">
     <xsd:import namespace="0d8a9e77-e5df-4dea-a25d-6fd5fe8176f9"/>
@@ -8125,25 +7912,25 @@
 </ct:contentTypeSchema>
 </file>
 
-<file path=customXml/item2.xml><?xml version="1.0" encoding="utf-8"?>
-<?mso-contentType ?>
-<FormTemplates xmlns="http://schemas.microsoft.com/sharepoint/v3/contenttype/forms">
-  <Display>DocumentLibraryForm</Display>
-  <Edit>DocumentLibraryForm</Edit>
-  <New>DocumentLibraryForm</New>
-</FormTemplates>
+<file path=customXml/itemProps1.xml><?xml version="1.0" encoding="utf-8"?>
+<ds:datastoreItem xmlns:ds="http://schemas.openxmlformats.org/officeDocument/2006/customXml" ds:itemID="{93A96314-6CE3-4747-8FFF-5DB3352FDD8D}">
+  <ds:schemaRefs>
+    <ds:schemaRef ds:uri="http://schemas.microsoft.com/office/2006/metadata/properties"/>
+    <ds:schemaRef ds:uri="http://schemas.microsoft.com/office/infopath/2007/PartnerControls"/>
+    <ds:schemaRef ds:uri="0d8a9e77-e5df-4dea-a25d-6fd5fe8176f9"/>
+  </ds:schemaRefs>
+</ds:datastoreItem>
 </file>
 
-<file path=customXml/item3.xml><?xml version="1.0" encoding="utf-8"?>
-<p:properties xmlns:p="http://schemas.microsoft.com/office/2006/metadata/properties" xmlns:xsi="http://www.w3.org/2001/XMLSchema-instance" xmlns:pc="http://schemas.microsoft.com/office/infopath/2007/PartnerControls">
-  <documentManagement>
-    <Datei_x002d_Typ xmlns="0d8a9e77-e5df-4dea-a25d-6fd5fe8176f9">pptx</Datei_x002d_Typ>
-    <Vorlagen_x002d_Typ xmlns="0d8a9e77-e5df-4dea-a25d-6fd5fe8176f9">Poster wissenschaftlich</Vorlagen_x002d_Typ>
-  </documentManagement>
-</p:properties>
+<file path=customXml/itemProps2.xml><?xml version="1.0" encoding="utf-8"?>
+<ds:datastoreItem xmlns:ds="http://schemas.openxmlformats.org/officeDocument/2006/customXml" ds:itemID="{5DC7943D-E0B0-4C98-87CE-5E1D610D3EF0}">
+  <ds:schemaRefs>
+    <ds:schemaRef ds:uri="http://schemas.microsoft.com/sharepoint/v3/contenttype/forms"/>
+  </ds:schemaRefs>
+</ds:datastoreItem>
 </file>
 
-<file path=customXml/itemProps1.xml><?xml version="1.0" encoding="utf-8"?>
+<file path=customXml/itemProps3.xml><?xml version="1.0" encoding="utf-8"?>
 <ds:datastoreItem xmlns:ds="http://schemas.openxmlformats.org/officeDocument/2006/customXml" ds:itemID="{61CF5FA1-F6B2-4E1C-B324-AB3FEA1CBC13}">
   <ds:schemaRefs>
     <ds:schemaRef ds:uri="http://schemas.microsoft.com/office/2006/metadata/contentType"/>
@@ -8159,22 +7946,4 @@
     <ds:schemaRef ds:uri="http://schemas.microsoft.com/internal/obd"/>
   </ds:schemaRefs>
 </ds:datastoreItem>
-</file>
-
-<file path=customXml/itemProps2.xml><?xml version="1.0" encoding="utf-8"?>
-<ds:datastoreItem xmlns:ds="http://schemas.openxmlformats.org/officeDocument/2006/customXml" ds:itemID="{5DC7943D-E0B0-4C98-87CE-5E1D610D3EF0}">
-  <ds:schemaRefs>
-    <ds:schemaRef ds:uri="http://schemas.microsoft.com/sharepoint/v3/contenttype/forms"/>
-  </ds:schemaRefs>
-</ds:datastoreItem>
-</file>
-
-<file path=customXml/itemProps3.xml><?xml version="1.0" encoding="utf-8"?>
-<ds:datastoreItem xmlns:ds="http://schemas.openxmlformats.org/officeDocument/2006/customXml" ds:itemID="{93A96314-6CE3-4747-8FFF-5DB3352FDD8D}">
-  <ds:schemaRefs>
-    <ds:schemaRef ds:uri="http://schemas.microsoft.com/office/2006/metadata/properties"/>
-    <ds:schemaRef ds:uri="http://schemas.microsoft.com/office/infopath/2007/PartnerControls"/>
-    <ds:schemaRef ds:uri="0d8a9e77-e5df-4dea-a25d-6fd5fe8176f9"/>
-  </ds:schemaRefs>
-</ds:datastoreItem>
 </file>